--- a/helloaderant-WilliamXie.pptx
+++ b/helloaderant-WilliamXie.pptx
@@ -6,14 +6,15 @@
   </p:sldMasterIdLst>
   <p:sldIdLst>
     <p:sldId id="256" r:id="rId2"/>
-    <p:sldId id="257" r:id="rId3"/>
-    <p:sldId id="266" r:id="rId4"/>
-    <p:sldId id="259" r:id="rId5"/>
-    <p:sldId id="261" r:id="rId6"/>
-    <p:sldId id="262" r:id="rId7"/>
-    <p:sldId id="264" r:id="rId8"/>
-    <p:sldId id="263" r:id="rId9"/>
-    <p:sldId id="265" r:id="rId10"/>
+    <p:sldId id="271" r:id="rId3"/>
+    <p:sldId id="257" r:id="rId4"/>
+    <p:sldId id="266" r:id="rId5"/>
+    <p:sldId id="268" r:id="rId6"/>
+    <p:sldId id="269" r:id="rId7"/>
+    <p:sldId id="267" r:id="rId8"/>
+    <p:sldId id="270" r:id="rId9"/>
+    <p:sldId id="263" r:id="rId10"/>
+    <p:sldId id="265" r:id="rId11"/>
   </p:sldIdLst>
   <p:sldSz cx="12192000" cy="6858000"/>
   <p:notesSz cx="6858000" cy="9144000"/>
@@ -2989,38 +2990,52 @@
         </p:nvSpPr>
         <p:spPr/>
         <p:txBody>
-          <a:bodyPr/>
-          <a:lstStyle/>
-          <a:p>
-            <a:r>
-              <a:rPr lang="en-US" dirty="0" smtClean="0"/>
-              <a:t>Hi Aderant</a:t>
-            </a:r>
-            <a:endParaRPr lang="en-NZ" dirty="0"/>
-          </a:p>
-        </p:txBody>
-      </p:sp>
-      <p:sp>
-        <p:nvSpPr>
-          <p:cNvPr id="3" name="Subtitle 2"/>
-          <p:cNvSpPr>
-            <a:spLocks noGrp="1"/>
-          </p:cNvSpPr>
-          <p:nvPr>
-            <p:ph type="subTitle" idx="1"/>
-          </p:nvPr>
-        </p:nvSpPr>
-        <p:spPr/>
-        <p:txBody>
           <a:bodyPr>
             <a:normAutofit/>
           </a:bodyPr>
           <a:lstStyle/>
           <a:p>
+            <a:r>
+              <a:rPr lang="en-US" sz="5400" b="1" dirty="0" smtClean="0"/>
+              <a:t>Hello </a:t>
+            </a:r>
+            <a:r>
+              <a:rPr lang="en-US" sz="5400" b="1" dirty="0" err="1" smtClean="0"/>
+              <a:t>Aderant</a:t>
+            </a:r>
+            <a:r>
+              <a:rPr lang="en-US" sz="5400" b="1" dirty="0" smtClean="0"/>
+              <a:t> Application</a:t>
+            </a:r>
+            <a:endParaRPr lang="en-NZ" sz="5400" b="1" dirty="0"/>
+          </a:p>
+        </p:txBody>
+      </p:sp>
+      <p:sp>
+        <p:nvSpPr>
+          <p:cNvPr id="3" name="Subtitle 2"/>
+          <p:cNvSpPr>
+            <a:spLocks noGrp="1"/>
+          </p:cNvSpPr>
+          <p:nvPr>
+            <p:ph type="subTitle" idx="1"/>
+          </p:nvPr>
+        </p:nvSpPr>
+        <p:spPr/>
+        <p:txBody>
+          <a:bodyPr>
+            <a:normAutofit/>
+          </a:bodyPr>
+          <a:lstStyle/>
+          <a:p>
             <a:pPr algn="r"/>
             <a:r>
               <a:rPr lang="en-US" sz="3200" i="1" dirty="0" smtClean="0"/>
-              <a:t>--Slotmachine</a:t>
+              <a:t>--</a:t>
+            </a:r>
+            <a:r>
+              <a:rPr lang="en-US" sz="3200" i="1" dirty="0" smtClean="0"/>
+              <a:t>Slot Machine</a:t>
             </a:r>
             <a:endParaRPr lang="en-NZ" sz="3200" i="1" dirty="0"/>
           </a:p>
@@ -3078,7 +3093,7 @@
           <a:graphicData uri="http://schemas.openxmlformats.org/presentationml/2006/ole">
             <mc:AlternateContent xmlns:mc="http://schemas.openxmlformats.org/markup-compatibility/2006">
               <mc:Choice xmlns:v="urn:schemas-microsoft-com:vml" Requires="v">
-                <p:oleObj spid="_x0000_s1038" name="Document" r:id="rId4" imgW="5731521" imgH="489784" progId="Word.Document.12">
+                <p:oleObj spid="_x0000_s1047" name="Document" r:id="rId4" imgW="5731521" imgH="489784" progId="Word.Document.12">
                   <p:embed/>
                 </p:oleObj>
               </mc:Choice>
@@ -3123,10 +3138,217 @@
   <p:clrMapOvr>
     <a:masterClrMapping/>
   </p:clrMapOvr>
+  <p:timing>
+    <p:tnLst>
+      <p:par>
+        <p:cTn id="1" dur="indefinite" restart="never" nodeType="tmRoot"/>
+      </p:par>
+    </p:tnLst>
+  </p:timing>
+</p:sld>
+</file>
+
+<file path=ppt/slides/slide10.xml><?xml version="1.0" encoding="utf-8"?>
+<p:sld xmlns:a="http://schemas.openxmlformats.org/drawingml/2006/main" xmlns:r="http://schemas.openxmlformats.org/officeDocument/2006/relationships" xmlns:p="http://schemas.openxmlformats.org/presentationml/2006/main">
+  <p:cSld>
+    <p:spTree>
+      <p:nvGrpSpPr>
+        <p:cNvPr id="1" name=""/>
+        <p:cNvGrpSpPr/>
+        <p:nvPr/>
+      </p:nvGrpSpPr>
+      <p:grpSpPr>
+        <a:xfrm>
+          <a:off x="0" y="0"/>
+          <a:ext cx="0" cy="0"/>
+          <a:chOff x="0" y="0"/>
+          <a:chExt cx="0" cy="0"/>
+        </a:xfrm>
+      </p:grpSpPr>
+      <p:sp>
+        <p:nvSpPr>
+          <p:cNvPr id="2" name="Title 1"/>
+          <p:cNvSpPr>
+            <a:spLocks noGrp="1"/>
+          </p:cNvSpPr>
+          <p:nvPr>
+            <p:ph type="title"/>
+          </p:nvPr>
+        </p:nvSpPr>
+        <p:spPr>
+          <a:xfrm>
+            <a:off x="838200" y="2807883"/>
+            <a:ext cx="10515600" cy="1325563"/>
+          </a:xfrm>
+        </p:spPr>
+        <p:txBody>
+          <a:bodyPr vert="horz" lIns="91440" tIns="45720" rIns="91440" bIns="45720" rtlCol="0" anchor="ctr">
+            <a:normAutofit fontScale="90000"/>
+          </a:bodyPr>
+          <a:lstStyle/>
+          <a:p>
+            <a:pPr algn="ctr"/>
+            <a:r>
+              <a:rPr lang="en-US" sz="6000" b="1" dirty="0"/>
+              <a:t>Thank you</a:t>
+            </a:r>
+            <a:r>
+              <a:rPr lang="en-NZ" sz="6000" b="1" dirty="0"/>
+              <a:t/>
+            </a:r>
+            <a:br>
+              <a:rPr lang="en-NZ" sz="6000" b="1" dirty="0"/>
+            </a:br>
+            <a:endParaRPr lang="en-NZ" sz="6000" b="1" dirty="0"/>
+          </a:p>
+        </p:txBody>
+      </p:sp>
+      <p:pic>
+        <p:nvPicPr>
+          <p:cNvPr id="4" name="Picture 3"/>
+          <p:cNvPicPr>
+            <a:picLocks noChangeAspect="1"/>
+          </p:cNvPicPr>
+          <p:nvPr/>
+        </p:nvPicPr>
+        <p:blipFill>
+          <a:blip r:embed="rId2">
+            <a:extLst>
+              <a:ext uri="{28A0092B-C50C-407E-A947-70E740481C1C}">
+                <a14:useLocalDpi xmlns:a14="http://schemas.microsoft.com/office/drawing/2010/main" val="0"/>
+              </a:ext>
+            </a:extLst>
+          </a:blip>
+          <a:stretch>
+            <a:fillRect/>
+          </a:stretch>
+        </p:blipFill>
+        <p:spPr>
+          <a:xfrm>
+            <a:off x="95250" y="6216560"/>
+            <a:ext cx="1428750" cy="571500"/>
+          </a:xfrm>
+          <a:prstGeom prst="rect">
+            <a:avLst/>
+          </a:prstGeom>
+        </p:spPr>
+      </p:pic>
+    </p:spTree>
+    <p:extLst>
+      <p:ext uri="{BB962C8B-B14F-4D97-AF65-F5344CB8AC3E}">
+        <p14:creationId xmlns:p14="http://schemas.microsoft.com/office/powerpoint/2010/main" val="1399518188"/>
+      </p:ext>
+    </p:extLst>
+  </p:cSld>
+  <p:clrMapOvr>
+    <a:masterClrMapping/>
+  </p:clrMapOvr>
 </p:sld>
 </file>
 
 <file path=ppt/slides/slide2.xml><?xml version="1.0" encoding="utf-8"?>
+<p:sld xmlns:a="http://schemas.openxmlformats.org/drawingml/2006/main" xmlns:r="http://schemas.openxmlformats.org/officeDocument/2006/relationships" xmlns:p="http://schemas.openxmlformats.org/presentationml/2006/main">
+  <p:cSld>
+    <p:spTree>
+      <p:nvGrpSpPr>
+        <p:cNvPr id="1" name=""/>
+        <p:cNvGrpSpPr/>
+        <p:nvPr/>
+      </p:nvGrpSpPr>
+      <p:grpSpPr>
+        <a:xfrm>
+          <a:off x="0" y="0"/>
+          <a:ext cx="0" cy="0"/>
+          <a:chOff x="0" y="0"/>
+          <a:chExt cx="0" cy="0"/>
+        </a:xfrm>
+      </p:grpSpPr>
+      <p:sp>
+        <p:nvSpPr>
+          <p:cNvPr id="2" name="Title 1"/>
+          <p:cNvSpPr>
+            <a:spLocks noGrp="1"/>
+          </p:cNvSpPr>
+          <p:nvPr>
+            <p:ph type="title"/>
+          </p:nvPr>
+        </p:nvSpPr>
+        <p:spPr/>
+        <p:txBody>
+          <a:bodyPr/>
+          <a:lstStyle/>
+          <a:p>
+            <a:pPr algn="ctr"/>
+            <a:r>
+              <a:rPr lang="en-US" dirty="0" smtClean="0"/>
+              <a:t>Agenda</a:t>
+            </a:r>
+            <a:endParaRPr lang="en-NZ" dirty="0"/>
+          </a:p>
+        </p:txBody>
+      </p:sp>
+      <p:sp>
+        <p:nvSpPr>
+          <p:cNvPr id="3" name="Content Placeholder 2"/>
+          <p:cNvSpPr>
+            <a:spLocks noGrp="1"/>
+          </p:cNvSpPr>
+          <p:nvPr>
+            <p:ph idx="1"/>
+          </p:nvPr>
+        </p:nvSpPr>
+        <p:spPr/>
+        <p:txBody>
+          <a:bodyPr>
+            <a:normAutofit/>
+          </a:bodyPr>
+          <a:lstStyle/>
+          <a:p>
+            <a:pPr lvl="1"/>
+            <a:r>
+              <a:rPr lang="en-US" sz="3600" dirty="0" smtClean="0"/>
+              <a:t>About Me</a:t>
+            </a:r>
+          </a:p>
+          <a:p>
+            <a:pPr lvl="1"/>
+            <a:r>
+              <a:rPr lang="en-US" sz="3600" dirty="0" smtClean="0"/>
+              <a:t>Hello </a:t>
+            </a:r>
+            <a:r>
+              <a:rPr lang="en-US" sz="3600" dirty="0" err="1" smtClean="0"/>
+              <a:t>Aderant</a:t>
+            </a:r>
+            <a:r>
+              <a:rPr lang="en-US" sz="3600" dirty="0" smtClean="0"/>
+              <a:t> Slot Machine</a:t>
+            </a:r>
+          </a:p>
+          <a:p>
+            <a:pPr lvl="1"/>
+            <a:r>
+              <a:rPr lang="en-US" sz="3600" dirty="0" smtClean="0"/>
+              <a:t>Other things about slot machine</a:t>
+            </a:r>
+            <a:endParaRPr lang="en-NZ" sz="3600" dirty="0"/>
+          </a:p>
+        </p:txBody>
+      </p:sp>
+    </p:spTree>
+    <p:extLst>
+      <p:ext uri="{BB962C8B-B14F-4D97-AF65-F5344CB8AC3E}">
+        <p14:creationId xmlns:p14="http://schemas.microsoft.com/office/powerpoint/2010/main" val="1090888514"/>
+      </p:ext>
+    </p:extLst>
+  </p:cSld>
+  <p:clrMapOvr>
+    <a:masterClrMapping/>
+  </p:clrMapOvr>
+</p:sld>
+</file>
+
+<file path=ppt/slides/slide3.xml><?xml version="1.0" encoding="utf-8"?>
 <p:sld xmlns:a="http://schemas.openxmlformats.org/drawingml/2006/main" xmlns:r="http://schemas.openxmlformats.org/officeDocument/2006/relationships" xmlns:p="http://schemas.openxmlformats.org/presentationml/2006/main">
   <p:cSld>
     <p:spTree>
@@ -3250,10 +3472,17 @@
   <p:clrMapOvr>
     <a:masterClrMapping/>
   </p:clrMapOvr>
+  <p:timing>
+    <p:tnLst>
+      <p:par>
+        <p:cTn id="1" dur="indefinite" restart="never" nodeType="tmRoot"/>
+      </p:par>
+    </p:tnLst>
+  </p:timing>
 </p:sld>
 </file>
 
-<file path=ppt/slides/slide3.xml><?xml version="1.0" encoding="utf-8"?>
+<file path=ppt/slides/slide4.xml><?xml version="1.0" encoding="utf-8"?>
 <p:sld xmlns:a="http://schemas.openxmlformats.org/drawingml/2006/main" xmlns:r="http://schemas.openxmlformats.org/officeDocument/2006/relationships" xmlns:p="http://schemas.openxmlformats.org/presentationml/2006/main">
   <p:cSld>
     <p:spTree>
@@ -3270,6 +3499,30 @@
           <a:chExt cx="0" cy="0"/>
         </a:xfrm>
       </p:grpSpPr>
+      <p:pic>
+        <p:nvPicPr>
+          <p:cNvPr id="4" name="Picture 3"/>
+          <p:cNvPicPr>
+            <a:picLocks noChangeAspect="1"/>
+          </p:cNvPicPr>
+          <p:nvPr/>
+        </p:nvPicPr>
+        <p:blipFill>
+          <a:blip r:embed="rId2"/>
+          <a:stretch>
+            <a:fillRect/>
+          </a:stretch>
+        </p:blipFill>
+        <p:spPr>
+          <a:xfrm>
+            <a:off x="5525104" y="3199607"/>
+            <a:ext cx="6515186" cy="3464963"/>
+          </a:xfrm>
+          <a:prstGeom prst="rect">
+            <a:avLst/>
+          </a:prstGeom>
+        </p:spPr>
+      </p:pic>
       <p:sp>
         <p:nvSpPr>
           <p:cNvPr id="2" name="Title 1"/>
@@ -3308,7 +3561,12 @@
             <p:ph idx="1"/>
           </p:nvPr>
         </p:nvSpPr>
-        <p:spPr/>
+        <p:spPr>
+          <a:xfrm>
+            <a:off x="495300" y="1441084"/>
+            <a:ext cx="10515600" cy="2018201"/>
+          </a:xfrm>
+        </p:spPr>
         <p:txBody>
           <a:bodyPr>
             <a:normAutofit/>
@@ -3317,6 +3575,158 @@
           <a:p>
             <a:r>
               <a:rPr lang="en-US" sz="3600" dirty="0" smtClean="0"/>
+              <a:t>URL</a:t>
+            </a:r>
+          </a:p>
+          <a:p>
+            <a:pPr marL="457200" lvl="1" indent="0">
+              <a:buNone/>
+            </a:pPr>
+            <a:r>
+              <a:rPr lang="en-NZ" sz="1600" dirty="0">
+                <a:hlinkClick r:id="rId3"/>
+              </a:rPr>
+              <a:t>https://weilingxie.github.io/helloaderantslotmachine/</a:t>
+            </a:r>
+            <a:endParaRPr lang="en-US" sz="1600" dirty="0" smtClean="0"/>
+          </a:p>
+          <a:p>
+            <a:r>
+              <a:rPr lang="en-US" sz="3600" dirty="0" smtClean="0"/>
+              <a:t>Code</a:t>
+            </a:r>
+          </a:p>
+          <a:p>
+            <a:pPr marL="457200" lvl="1" indent="0">
+              <a:buNone/>
+            </a:pPr>
+            <a:r>
+              <a:rPr lang="en-NZ" sz="1600" dirty="0">
+                <a:hlinkClick r:id="rId4"/>
+              </a:rPr>
+              <a:t>https://github.com/weilingxie/helloaderantslotmachine</a:t>
+            </a:r>
+            <a:endParaRPr lang="en-US" sz="1600" dirty="0" smtClean="0"/>
+          </a:p>
+          <a:p>
+            <a:endParaRPr lang="en-US" sz="3600" dirty="0" smtClean="0"/>
+          </a:p>
+        </p:txBody>
+      </p:sp>
+      <p:pic>
+        <p:nvPicPr>
+          <p:cNvPr id="5" name="Picture 4"/>
+          <p:cNvPicPr>
+            <a:picLocks noChangeAspect="1"/>
+          </p:cNvPicPr>
+          <p:nvPr/>
+        </p:nvPicPr>
+        <p:blipFill>
+          <a:blip r:embed="rId5">
+            <a:extLst>
+              <a:ext uri="{28A0092B-C50C-407E-A947-70E740481C1C}">
+                <a14:useLocalDpi xmlns:a14="http://schemas.microsoft.com/office/drawing/2010/main" val="0"/>
+              </a:ext>
+            </a:extLst>
+          </a:blip>
+          <a:stretch>
+            <a:fillRect/>
+          </a:stretch>
+        </p:blipFill>
+        <p:spPr>
+          <a:xfrm>
+            <a:off x="123825" y="6212132"/>
+            <a:ext cx="1428750" cy="571500"/>
+          </a:xfrm>
+          <a:prstGeom prst="rect">
+            <a:avLst/>
+          </a:prstGeom>
+        </p:spPr>
+      </p:pic>
+    </p:spTree>
+    <p:extLst>
+      <p:ext uri="{BB962C8B-B14F-4D97-AF65-F5344CB8AC3E}">
+        <p14:creationId xmlns:p14="http://schemas.microsoft.com/office/powerpoint/2010/main" val="1066392188"/>
+      </p:ext>
+    </p:extLst>
+  </p:cSld>
+  <p:clrMapOvr>
+    <a:masterClrMapping/>
+  </p:clrMapOvr>
+  <p:timing>
+    <p:tnLst>
+      <p:par>
+        <p:cTn id="1" dur="indefinite" restart="never" nodeType="tmRoot"/>
+      </p:par>
+    </p:tnLst>
+  </p:timing>
+</p:sld>
+</file>
+
+<file path=ppt/slides/slide5.xml><?xml version="1.0" encoding="utf-8"?>
+<p:sld xmlns:a="http://schemas.openxmlformats.org/drawingml/2006/main" xmlns:r="http://schemas.openxmlformats.org/officeDocument/2006/relationships" xmlns:p="http://schemas.openxmlformats.org/presentationml/2006/main">
+  <p:cSld>
+    <p:spTree>
+      <p:nvGrpSpPr>
+        <p:cNvPr id="1" name=""/>
+        <p:cNvGrpSpPr/>
+        <p:nvPr/>
+      </p:nvGrpSpPr>
+      <p:grpSpPr>
+        <a:xfrm>
+          <a:off x="0" y="0"/>
+          <a:ext cx="0" cy="0"/>
+          <a:chOff x="0" y="0"/>
+          <a:chExt cx="0" cy="0"/>
+        </a:xfrm>
+      </p:grpSpPr>
+      <p:sp>
+        <p:nvSpPr>
+          <p:cNvPr id="2" name="Title 1"/>
+          <p:cNvSpPr>
+            <a:spLocks noGrp="1"/>
+          </p:cNvSpPr>
+          <p:nvPr>
+            <p:ph type="title"/>
+          </p:nvPr>
+        </p:nvSpPr>
+        <p:spPr/>
+        <p:txBody>
+          <a:bodyPr/>
+          <a:lstStyle/>
+          <a:p>
+            <a:pPr algn="ctr"/>
+            <a:r>
+              <a:rPr lang="en-US" dirty="0"/>
+              <a:t>Hello Aderant </a:t>
+            </a:r>
+            <a:r>
+              <a:rPr lang="en-US" dirty="0" smtClean="0"/>
+              <a:t>Slot Machine</a:t>
+            </a:r>
+            <a:endParaRPr lang="en-NZ" dirty="0"/>
+          </a:p>
+        </p:txBody>
+      </p:sp>
+      <p:sp>
+        <p:nvSpPr>
+          <p:cNvPr id="3" name="Content Placeholder 2"/>
+          <p:cNvSpPr>
+            <a:spLocks noGrp="1"/>
+          </p:cNvSpPr>
+          <p:nvPr>
+            <p:ph idx="1"/>
+          </p:nvPr>
+        </p:nvSpPr>
+        <p:spPr/>
+        <p:txBody>
+          <a:bodyPr>
+            <a:normAutofit/>
+          </a:bodyPr>
+          <a:lstStyle/>
+          <a:p>
+            <a:r>
+              <a:rPr lang="en-US" sz="3600" i="1" dirty="0" smtClean="0"/>
               <a:t>Technology List</a:t>
             </a:r>
           </a:p>
@@ -3980,776 +4390,9 @@
           </a:graphicData>
         </a:graphic>
       </p:graphicFrame>
-    </p:spTree>
-    <p:extLst>
-      <p:ext uri="{BB962C8B-B14F-4D97-AF65-F5344CB8AC3E}">
-        <p14:creationId xmlns:p14="http://schemas.microsoft.com/office/powerpoint/2010/main" val="1066392188"/>
-      </p:ext>
-    </p:extLst>
-  </p:cSld>
-  <p:clrMapOvr>
-    <a:masterClrMapping/>
-  </p:clrMapOvr>
-  <p:timing>
-    <p:tnLst>
-      <p:par>
-        <p:cTn id="1" dur="indefinite" restart="never" nodeType="tmRoot"/>
-      </p:par>
-    </p:tnLst>
-  </p:timing>
-</p:sld>
-</file>
-
-<file path=ppt/slides/slide4.xml><?xml version="1.0" encoding="utf-8"?>
-<p:sld xmlns:a="http://schemas.openxmlformats.org/drawingml/2006/main" xmlns:r="http://schemas.openxmlformats.org/officeDocument/2006/relationships" xmlns:p="http://schemas.openxmlformats.org/presentationml/2006/main">
-  <p:cSld>
-    <p:spTree>
-      <p:nvGrpSpPr>
-        <p:cNvPr id="1" name=""/>
-        <p:cNvGrpSpPr/>
-        <p:nvPr/>
-      </p:nvGrpSpPr>
-      <p:grpSpPr>
-        <a:xfrm>
-          <a:off x="0" y="0"/>
-          <a:ext cx="0" cy="0"/>
-          <a:chOff x="0" y="0"/>
-          <a:chExt cx="0" cy="0"/>
-        </a:xfrm>
-      </p:grpSpPr>
-      <p:sp>
-        <p:nvSpPr>
-          <p:cNvPr id="2" name="Title 1"/>
-          <p:cNvSpPr>
-            <a:spLocks noGrp="1"/>
-          </p:cNvSpPr>
-          <p:nvPr>
-            <p:ph type="title"/>
-          </p:nvPr>
-        </p:nvSpPr>
-        <p:spPr>
-          <a:xfrm>
-            <a:off x="960902" y="728195"/>
-            <a:ext cx="10515600" cy="1325563"/>
-          </a:xfrm>
-        </p:spPr>
-        <p:txBody>
-          <a:bodyPr/>
-          <a:lstStyle/>
-          <a:p>
-            <a:pPr algn="ctr"/>
-            <a:r>
-              <a:rPr lang="en-US" dirty="0" smtClean="0"/>
-              <a:t>Hello Aderant Slotmachine</a:t>
-            </a:r>
-            <a:endParaRPr lang="en-NZ" dirty="0"/>
-          </a:p>
-        </p:txBody>
-      </p:sp>
       <p:pic>
         <p:nvPicPr>
-          <p:cNvPr id="4" name="Picture 3"/>
-          <p:cNvPicPr>
-            <a:picLocks noChangeAspect="1"/>
-          </p:cNvPicPr>
-          <p:nvPr/>
-        </p:nvPicPr>
-        <p:blipFill>
-          <a:blip r:embed="rId2">
-            <a:extLst>
-              <a:ext uri="{28A0092B-C50C-407E-A947-70E740481C1C}">
-                <a14:useLocalDpi xmlns:a14="http://schemas.microsoft.com/office/drawing/2010/main" val="0"/>
-              </a:ext>
-            </a:extLst>
-          </a:blip>
-          <a:stretch>
-            <a:fillRect/>
-          </a:stretch>
-        </p:blipFill>
-        <p:spPr>
-          <a:xfrm>
-            <a:off x="95250" y="6216560"/>
-            <a:ext cx="1428750" cy="571500"/>
-          </a:xfrm>
-          <a:prstGeom prst="rect">
-            <a:avLst/>
-          </a:prstGeom>
-        </p:spPr>
-      </p:pic>
-      <p:graphicFrame>
-        <p:nvGraphicFramePr>
-          <p:cNvPr id="3" name="Table 2"/>
-          <p:cNvGraphicFramePr>
-            <a:graphicFrameLocks noGrp="1"/>
-          </p:cNvGraphicFramePr>
-          <p:nvPr>
-            <p:extLst>
-              <p:ext uri="{D42A27DB-BD31-4B8C-83A1-F6EECF244321}">
-                <p14:modId xmlns:p14="http://schemas.microsoft.com/office/powerpoint/2010/main" val="2268530561"/>
-              </p:ext>
-            </p:extLst>
-          </p:nvPr>
-        </p:nvGraphicFramePr>
-        <p:xfrm>
-          <a:off x="2154702" y="3208059"/>
-          <a:ext cx="8128000" cy="1854200"/>
-        </p:xfrm>
-        <a:graphic>
-          <a:graphicData uri="http://schemas.openxmlformats.org/drawingml/2006/table">
-            <a:tbl>
-              <a:tblPr firstRow="1" bandRow="1">
-                <a:tableStyleId>{5C22544A-7EE6-4342-B048-85BDC9FD1C3A}</a:tableStyleId>
-              </a:tblPr>
-              <a:tblGrid>
-                <a:gridCol w="4064000">
-                  <a:extLst>
-                    <a:ext uri="{9D8B030D-6E8A-4147-A177-3AD203B41FA5}">
-                      <a16:colId xmlns:a16="http://schemas.microsoft.com/office/drawing/2014/main" val="458623373"/>
-                    </a:ext>
-                  </a:extLst>
-                </a:gridCol>
-                <a:gridCol w="4064000">
-                  <a:extLst>
-                    <a:ext uri="{9D8B030D-6E8A-4147-A177-3AD203B41FA5}">
-                      <a16:colId xmlns:a16="http://schemas.microsoft.com/office/drawing/2014/main" val="2308484883"/>
-                    </a:ext>
-                  </a:extLst>
-                </a:gridCol>
-              </a:tblGrid>
-              <a:tr h="370840">
-                <a:tc>
-                  <a:txBody>
-                    <a:bodyPr/>
-                    <a:lstStyle/>
-                    <a:p>
-                      <a:endParaRPr lang="en-NZ" dirty="0"/>
-                    </a:p>
-                  </a:txBody>
-                  <a:tcPr/>
-                </a:tc>
-                <a:tc>
-                  <a:txBody>
-                    <a:bodyPr/>
-                    <a:lstStyle/>
-                    <a:p>
-                      <a:endParaRPr lang="en-NZ" dirty="0"/>
-                    </a:p>
-                  </a:txBody>
-                  <a:tcPr/>
-                </a:tc>
-                <a:extLst>
-                  <a:ext uri="{0D108BD9-81ED-4DB2-BD59-A6C34878D82A}">
-                    <a16:rowId xmlns:a16="http://schemas.microsoft.com/office/drawing/2014/main" val="3548257961"/>
-                  </a:ext>
-                </a:extLst>
-              </a:tr>
-              <a:tr h="370840">
-                <a:tc>
-                  <a:txBody>
-                    <a:bodyPr/>
-                    <a:lstStyle/>
-                    <a:p>
-                      <a:endParaRPr lang="en-NZ"/>
-                    </a:p>
-                  </a:txBody>
-                  <a:tcPr/>
-                </a:tc>
-                <a:tc>
-                  <a:txBody>
-                    <a:bodyPr/>
-                    <a:lstStyle/>
-                    <a:p>
-                      <a:endParaRPr lang="en-NZ" dirty="0"/>
-                    </a:p>
-                  </a:txBody>
-                  <a:tcPr/>
-                </a:tc>
-                <a:extLst>
-                  <a:ext uri="{0D108BD9-81ED-4DB2-BD59-A6C34878D82A}">
-                    <a16:rowId xmlns:a16="http://schemas.microsoft.com/office/drawing/2014/main" val="2024505651"/>
-                  </a:ext>
-                </a:extLst>
-              </a:tr>
-              <a:tr h="370840">
-                <a:tc>
-                  <a:txBody>
-                    <a:bodyPr/>
-                    <a:lstStyle/>
-                    <a:p>
-                      <a:endParaRPr lang="en-NZ"/>
-                    </a:p>
-                  </a:txBody>
-                  <a:tcPr/>
-                </a:tc>
-                <a:tc>
-                  <a:txBody>
-                    <a:bodyPr/>
-                    <a:lstStyle/>
-                    <a:p>
-                      <a:endParaRPr lang="en-NZ" dirty="0"/>
-                    </a:p>
-                  </a:txBody>
-                  <a:tcPr/>
-                </a:tc>
-                <a:extLst>
-                  <a:ext uri="{0D108BD9-81ED-4DB2-BD59-A6C34878D82A}">
-                    <a16:rowId xmlns:a16="http://schemas.microsoft.com/office/drawing/2014/main" val="542971975"/>
-                  </a:ext>
-                </a:extLst>
-              </a:tr>
-              <a:tr h="370840">
-                <a:tc>
-                  <a:txBody>
-                    <a:bodyPr/>
-                    <a:lstStyle/>
-                    <a:p>
-                      <a:endParaRPr lang="en-NZ"/>
-                    </a:p>
-                  </a:txBody>
-                  <a:tcPr/>
-                </a:tc>
-                <a:tc>
-                  <a:txBody>
-                    <a:bodyPr/>
-                    <a:lstStyle/>
-                    <a:p>
-                      <a:endParaRPr lang="en-NZ" dirty="0"/>
-                    </a:p>
-                  </a:txBody>
-                  <a:tcPr/>
-                </a:tc>
-                <a:extLst>
-                  <a:ext uri="{0D108BD9-81ED-4DB2-BD59-A6C34878D82A}">
-                    <a16:rowId xmlns:a16="http://schemas.microsoft.com/office/drawing/2014/main" val="3474024529"/>
-                  </a:ext>
-                </a:extLst>
-              </a:tr>
-              <a:tr h="370840">
-                <a:tc>
-                  <a:txBody>
-                    <a:bodyPr/>
-                    <a:lstStyle/>
-                    <a:p>
-                      <a:endParaRPr lang="en-NZ" dirty="0"/>
-                    </a:p>
-                  </a:txBody>
-                  <a:tcPr/>
-                </a:tc>
-                <a:tc>
-                  <a:txBody>
-                    <a:bodyPr/>
-                    <a:lstStyle/>
-                    <a:p>
-                      <a:endParaRPr lang="en-NZ" dirty="0"/>
-                    </a:p>
-                  </a:txBody>
-                  <a:tcPr/>
-                </a:tc>
-                <a:extLst>
-                  <a:ext uri="{0D108BD9-81ED-4DB2-BD59-A6C34878D82A}">
-                    <a16:rowId xmlns:a16="http://schemas.microsoft.com/office/drawing/2014/main" val="1288356484"/>
-                  </a:ext>
-                </a:extLst>
-              </a:tr>
-            </a:tbl>
-          </a:graphicData>
-        </a:graphic>
-      </p:graphicFrame>
-    </p:spTree>
-    <p:extLst>
-      <p:ext uri="{BB962C8B-B14F-4D97-AF65-F5344CB8AC3E}">
-        <p14:creationId xmlns:p14="http://schemas.microsoft.com/office/powerpoint/2010/main" val="917940292"/>
-      </p:ext>
-    </p:extLst>
-  </p:cSld>
-  <p:clrMapOvr>
-    <a:masterClrMapping/>
-  </p:clrMapOvr>
-  <p:timing>
-    <p:tnLst>
-      <p:par>
-        <p:cTn id="1" dur="indefinite" restart="never" nodeType="tmRoot"/>
-      </p:par>
-    </p:tnLst>
-  </p:timing>
-</p:sld>
-</file>
-
-<file path=ppt/slides/slide5.xml><?xml version="1.0" encoding="utf-8"?>
-<p:sld xmlns:a="http://schemas.openxmlformats.org/drawingml/2006/main" xmlns:r="http://schemas.openxmlformats.org/officeDocument/2006/relationships" xmlns:p="http://schemas.openxmlformats.org/presentationml/2006/main">
-  <p:cSld>
-    <p:spTree>
-      <p:nvGrpSpPr>
-        <p:cNvPr id="1" name=""/>
-        <p:cNvGrpSpPr/>
-        <p:nvPr/>
-      </p:nvGrpSpPr>
-      <p:grpSpPr>
-        <a:xfrm>
-          <a:off x="0" y="0"/>
-          <a:ext cx="0" cy="0"/>
-          <a:chOff x="0" y="0"/>
-          <a:chExt cx="0" cy="0"/>
-        </a:xfrm>
-      </p:grpSpPr>
-      <p:sp>
-        <p:nvSpPr>
-          <p:cNvPr id="2" name="Title 1"/>
-          <p:cNvSpPr>
-            <a:spLocks noGrp="1"/>
-          </p:cNvSpPr>
-          <p:nvPr>
-            <p:ph type="title"/>
-          </p:nvPr>
-        </p:nvSpPr>
-        <p:spPr/>
-        <p:txBody>
-          <a:bodyPr/>
-          <a:lstStyle/>
-          <a:p>
-            <a:pPr algn="ctr"/>
-            <a:r>
-              <a:rPr lang="en-US" dirty="0" smtClean="0"/>
-              <a:t>Help Decision Making?</a:t>
-            </a:r>
-            <a:endParaRPr lang="en-NZ" dirty="0"/>
-          </a:p>
-        </p:txBody>
-      </p:sp>
-      <p:pic>
-        <p:nvPicPr>
-          <p:cNvPr id="4" name="Picture 3"/>
-          <p:cNvPicPr>
-            <a:picLocks noChangeAspect="1"/>
-          </p:cNvPicPr>
-          <p:nvPr/>
-        </p:nvPicPr>
-        <p:blipFill>
-          <a:blip r:embed="rId4">
-            <a:extLst>
-              <a:ext uri="{28A0092B-C50C-407E-A947-70E740481C1C}">
-                <a14:useLocalDpi xmlns:a14="http://schemas.microsoft.com/office/drawing/2010/main" val="0"/>
-              </a:ext>
-            </a:extLst>
-          </a:blip>
-          <a:stretch>
-            <a:fillRect/>
-          </a:stretch>
-        </p:blipFill>
-        <p:spPr>
-          <a:xfrm>
-            <a:off x="95250" y="6216560"/>
-            <a:ext cx="1428750" cy="571500"/>
-          </a:xfrm>
-          <a:prstGeom prst="rect">
-            <a:avLst/>
-          </a:prstGeom>
-        </p:spPr>
-      </p:pic>
-      <p:sp>
-        <p:nvSpPr>
-          <p:cNvPr id="6" name="AutoShape 2" descr="amanda peterson fun GIF"/>
-          <p:cNvSpPr>
-            <a:spLocks noChangeAspect="1" noChangeArrowheads="1"/>
-          </p:cNvSpPr>
-          <p:nvPr/>
-        </p:nvSpPr>
-        <p:spPr bwMode="auto">
-          <a:xfrm>
-            <a:off x="7993289" y="2494234"/>
-            <a:ext cx="3110139" cy="3110149"/>
-          </a:xfrm>
-          <a:prstGeom prst="rect">
-            <a:avLst/>
-          </a:prstGeom>
-          <a:noFill/>
-          <a:extLst>
-            <a:ext uri="{909E8E84-426E-40DD-AFC4-6F175D3DCCD1}">
-              <a14:hiddenFill xmlns:a14="http://schemas.microsoft.com/office/drawing/2010/main">
-                <a:solidFill>
-                  <a:srgbClr val="FFFFFF"/>
-                </a:solidFill>
-              </a14:hiddenFill>
-            </a:ext>
-          </a:extLst>
-        </p:spPr>
-        <p:txBody>
-          <a:bodyPr vert="horz" wrap="square" lIns="91440" tIns="45720" rIns="91440" bIns="45720" numCol="1" anchor="t" anchorCtr="0" compatLnSpc="1">
-            <a:prstTxWarp prst="textNoShape">
-              <a:avLst/>
-            </a:prstTxWarp>
-          </a:bodyPr>
-          <a:lstStyle/>
-          <a:p>
-            <a:endParaRPr lang="en-NZ"/>
-          </a:p>
-        </p:txBody>
-      </p:sp>
-      <p:pic>
-        <p:nvPicPr>
-          <p:cNvPr id="10" name="mp4">
-            <a:hlinkClick r:id="" action="ppaction://media"/>
-          </p:cNvPr>
-          <p:cNvPicPr>
-            <a:picLocks noGrp="1" noChangeAspect="1"/>
-          </p:cNvPicPr>
-          <p:nvPr>
-            <p:ph idx="1"/>
-            <a:videoFile r:link="rId2"/>
-            <p:extLst>
-              <p:ext uri="{DAA4B4D4-6D71-4841-9C94-3DE7FCFB9230}">
-                <p14:media xmlns:p14="http://schemas.microsoft.com/office/powerpoint/2010/main" r:embed="rId1"/>
-              </p:ext>
-            </p:extLst>
-          </p:nvPr>
-        </p:nvPicPr>
-        <p:blipFill>
-          <a:blip r:embed="rId5"/>
-          <a:stretch>
-            <a:fillRect/>
-          </a:stretch>
-        </p:blipFill>
-        <p:spPr>
-          <a:xfrm>
-            <a:off x="7354388" y="2261106"/>
-            <a:ext cx="3999411" cy="3999411"/>
-          </a:xfrm>
-        </p:spPr>
-      </p:pic>
-      <p:pic>
-        <p:nvPicPr>
-          <p:cNvPr id="11" name="Picture 10"/>
-          <p:cNvPicPr>
-            <a:picLocks noChangeAspect="1"/>
-          </p:cNvPicPr>
-          <p:nvPr/>
-        </p:nvPicPr>
-        <p:blipFill>
-          <a:blip r:embed="rId6">
-            <a:extLst>
-              <a:ext uri="{28A0092B-C50C-407E-A947-70E740481C1C}">
-                <a14:useLocalDpi xmlns:a14="http://schemas.microsoft.com/office/drawing/2010/main" val="0"/>
-              </a:ext>
-            </a:extLst>
-          </a:blip>
-          <a:stretch>
-            <a:fillRect/>
-          </a:stretch>
-        </p:blipFill>
-        <p:spPr>
-          <a:xfrm>
-            <a:off x="269965" y="3056705"/>
-            <a:ext cx="5618832" cy="2472286"/>
-          </a:xfrm>
-          <a:prstGeom prst="rect">
-            <a:avLst/>
-          </a:prstGeom>
-        </p:spPr>
-      </p:pic>
-      <p:sp>
-        <p:nvSpPr>
-          <p:cNvPr id="12" name="TextBox 11"/>
-          <p:cNvSpPr txBox="1"/>
-          <p:nvPr/>
-        </p:nvSpPr>
-        <p:spPr>
-          <a:xfrm>
-            <a:off x="617649" y="2465379"/>
-            <a:ext cx="4923464" cy="461665"/>
-          </a:xfrm>
-          <a:prstGeom prst="rect">
-            <a:avLst/>
-          </a:prstGeom>
-          <a:noFill/>
-        </p:spPr>
-        <p:txBody>
-          <a:bodyPr wrap="none" rtlCol="0">
-            <a:spAutoFit/>
-          </a:bodyPr>
-          <a:lstStyle/>
-          <a:p>
-            <a:r>
-              <a:rPr lang="en-US" sz="2400" dirty="0" smtClean="0"/>
-              <a:t>We think the way customer use our BI</a:t>
-            </a:r>
-            <a:endParaRPr lang="en-NZ" sz="2400" dirty="0"/>
-          </a:p>
-        </p:txBody>
-      </p:sp>
-      <p:sp>
-        <p:nvSpPr>
-          <p:cNvPr id="13" name="Rectangle 12"/>
-          <p:cNvSpPr/>
-          <p:nvPr/>
-        </p:nvSpPr>
-        <p:spPr>
-          <a:xfrm>
-            <a:off x="6070168" y="3587643"/>
-            <a:ext cx="915059" cy="923330"/>
-          </a:xfrm>
-          <a:prstGeom prst="rect">
-            <a:avLst/>
-          </a:prstGeom>
-          <a:noFill/>
-        </p:spPr>
-        <p:txBody>
-          <a:bodyPr wrap="none" lIns="91440" tIns="45720" rIns="91440" bIns="45720">
-            <a:spAutoFit/>
-          </a:bodyPr>
-          <a:lstStyle/>
-          <a:p>
-            <a:pPr algn="ctr"/>
-            <a:r>
-              <a:rPr lang="en-US" sz="5400" b="1" cap="none" spc="0" dirty="0" smtClean="0">
-                <a:ln w="6600">
-                  <a:solidFill>
-                    <a:schemeClr val="accent2"/>
-                  </a:solidFill>
-                  <a:prstDash val="solid"/>
-                </a:ln>
-                <a:solidFill>
-                  <a:srgbClr val="FFFFFF"/>
-                </a:solidFill>
-                <a:effectLst>
-                  <a:outerShdw dist="38100" dir="2700000" algn="tl" rotWithShape="0">
-                    <a:schemeClr val="accent2"/>
-                  </a:outerShdw>
-                </a:effectLst>
-              </a:rPr>
-              <a:t>VS</a:t>
-            </a:r>
-            <a:endParaRPr lang="en-US" sz="5400" b="1" cap="none" spc="0" dirty="0">
-              <a:ln w="6600">
-                <a:solidFill>
-                  <a:schemeClr val="accent2"/>
-                </a:solidFill>
-                <a:prstDash val="solid"/>
-              </a:ln>
-              <a:solidFill>
-                <a:srgbClr val="FFFFFF"/>
-              </a:solidFill>
-              <a:effectLst>
-                <a:outerShdw dist="38100" dir="2700000" algn="tl" rotWithShape="0">
-                  <a:schemeClr val="accent2"/>
-                </a:outerShdw>
-              </a:effectLst>
-            </a:endParaRPr>
-          </a:p>
-        </p:txBody>
-      </p:sp>
-      <p:sp>
-        <p:nvSpPr>
-          <p:cNvPr id="14" name="TextBox 13"/>
-          <p:cNvSpPr txBox="1"/>
-          <p:nvPr/>
-        </p:nvSpPr>
-        <p:spPr>
-          <a:xfrm>
-            <a:off x="9033120" y="1696267"/>
-            <a:ext cx="1030475" cy="461665"/>
-          </a:xfrm>
-          <a:prstGeom prst="rect">
-            <a:avLst/>
-          </a:prstGeom>
-          <a:noFill/>
-        </p:spPr>
-        <p:txBody>
-          <a:bodyPr wrap="none" rtlCol="0">
-            <a:spAutoFit/>
-          </a:bodyPr>
-          <a:lstStyle/>
-          <a:p>
-            <a:r>
-              <a:rPr lang="en-US" sz="2400" dirty="0"/>
-              <a:t>Reality</a:t>
-            </a:r>
-            <a:endParaRPr lang="en-NZ" sz="2400" dirty="0"/>
-          </a:p>
-        </p:txBody>
-      </p:sp>
-    </p:spTree>
-    <p:extLst>
-      <p:ext uri="{BB962C8B-B14F-4D97-AF65-F5344CB8AC3E}">
-        <p14:creationId xmlns:p14="http://schemas.microsoft.com/office/powerpoint/2010/main" val="472316941"/>
-      </p:ext>
-    </p:extLst>
-  </p:cSld>
-  <p:clrMapOvr>
-    <a:masterClrMapping/>
-  </p:clrMapOvr>
-  <p:timing>
-    <p:tnLst>
-      <p:par>
-        <p:cTn id="1" dur="indefinite" restart="never" nodeType="tmRoot">
-          <p:childTnLst>
-            <p:seq concurrent="1" nextAc="seek">
-              <p:cTn id="2" restart="whenNotActive" fill="hold" evtFilter="cancelBubble" nodeType="interactiveSeq">
-                <p:stCondLst>
-                  <p:cond evt="onClick" delay="0">
-                    <p:tgtEl>
-                      <p:spTgt spid="10"/>
-                    </p:tgtEl>
-                  </p:cond>
-                </p:stCondLst>
-                <p:endSync evt="end" delay="0">
-                  <p:rtn val="all"/>
-                </p:endSync>
-                <p:childTnLst>
-                  <p:par>
-                    <p:cTn id="3" fill="hold">
-                      <p:stCondLst>
-                        <p:cond delay="0"/>
-                      </p:stCondLst>
-                      <p:childTnLst>
-                        <p:par>
-                          <p:cTn id="4" fill="hold">
-                            <p:stCondLst>
-                              <p:cond delay="0"/>
-                            </p:stCondLst>
-                            <p:childTnLst>
-                              <p:par>
-                                <p:cTn id="5" presetID="2" presetClass="mediacall" presetSubtype="0" fill="hold" nodeType="clickEffect">
-                                  <p:stCondLst>
-                                    <p:cond delay="0"/>
-                                  </p:stCondLst>
-                                  <p:childTnLst>
-                                    <p:cmd type="call" cmd="togglePause">
-                                      <p:cBhvr>
-                                        <p:cTn id="6" dur="1" fill="hold"/>
-                                        <p:tgtEl>
-                                          <p:spTgt spid="10"/>
-                                        </p:tgtEl>
-                                      </p:cBhvr>
-                                    </p:cmd>
-                                  </p:childTnLst>
-                                </p:cTn>
-                              </p:par>
-                            </p:childTnLst>
-                          </p:cTn>
-                        </p:par>
-                      </p:childTnLst>
-                    </p:cTn>
-                  </p:par>
-                </p:childTnLst>
-              </p:cTn>
-              <p:nextCondLst>
-                <p:cond evt="onClick" delay="0">
-                  <p:tgtEl>
-                    <p:spTgt spid="10"/>
-                  </p:tgtEl>
-                </p:cond>
-              </p:nextCondLst>
-            </p:seq>
-            <p:video>
-              <p:cMediaNode vol="80000">
-                <p:cTn id="7" fill="hold" display="0">
-                  <p:stCondLst>
-                    <p:cond delay="indefinite"/>
-                  </p:stCondLst>
-                </p:cTn>
-                <p:tgtEl>
-                  <p:spTgt spid="10"/>
-                </p:tgtEl>
-              </p:cMediaNode>
-            </p:video>
-          </p:childTnLst>
-        </p:cTn>
-      </p:par>
-    </p:tnLst>
-  </p:timing>
-</p:sld>
-</file>
-
-<file path=ppt/slides/slide6.xml><?xml version="1.0" encoding="utf-8"?>
-<p:sld xmlns:a="http://schemas.openxmlformats.org/drawingml/2006/main" xmlns:r="http://schemas.openxmlformats.org/officeDocument/2006/relationships" xmlns:p="http://schemas.openxmlformats.org/presentationml/2006/main">
-  <p:cSld>
-    <p:spTree>
-      <p:nvGrpSpPr>
-        <p:cNvPr id="1" name=""/>
-        <p:cNvGrpSpPr/>
-        <p:nvPr/>
-      </p:nvGrpSpPr>
-      <p:grpSpPr>
-        <a:xfrm>
-          <a:off x="0" y="0"/>
-          <a:ext cx="0" cy="0"/>
-          <a:chOff x="0" y="0"/>
-          <a:chExt cx="0" cy="0"/>
-        </a:xfrm>
-      </p:grpSpPr>
-      <p:sp>
-        <p:nvSpPr>
-          <p:cNvPr id="2" name="Title 1"/>
-          <p:cNvSpPr>
-            <a:spLocks noGrp="1"/>
-          </p:cNvSpPr>
-          <p:nvPr>
-            <p:ph type="title"/>
-          </p:nvPr>
-        </p:nvSpPr>
-        <p:spPr/>
-        <p:txBody>
-          <a:bodyPr/>
-          <a:lstStyle/>
-          <a:p>
-            <a:pPr algn="ctr"/>
-            <a:r>
-              <a:rPr lang="en-US" dirty="0" smtClean="0"/>
-              <a:t>Recommendation Demo</a:t>
-            </a:r>
-            <a:endParaRPr lang="en-NZ" dirty="0"/>
-          </a:p>
-        </p:txBody>
-      </p:sp>
-      <p:sp>
-        <p:nvSpPr>
-          <p:cNvPr id="3" name="Subtitle 2"/>
-          <p:cNvSpPr>
-            <a:spLocks noGrp="1"/>
-          </p:cNvSpPr>
-          <p:nvPr>
-            <p:ph idx="1"/>
-          </p:nvPr>
-        </p:nvSpPr>
-        <p:spPr/>
-        <p:txBody>
-          <a:bodyPr/>
-          <a:lstStyle/>
-          <a:p>
-            <a:r>
-              <a:rPr lang="en-US" i="1" dirty="0" smtClean="0"/>
-              <a:t>Create New Matter</a:t>
-            </a:r>
-          </a:p>
-          <a:p>
-            <a:r>
-              <a:rPr lang="en-US" i="1" dirty="0" smtClean="0"/>
-              <a:t>Add new tile to dashboard</a:t>
-            </a:r>
-          </a:p>
-          <a:p>
-            <a:r>
-              <a:rPr lang="en-US" i="1" dirty="0" smtClean="0"/>
-              <a:t>Promote employee</a:t>
-            </a:r>
-          </a:p>
-          <a:p>
-            <a:pPr marL="0" indent="0" algn="r">
-              <a:buNone/>
-            </a:pPr>
-            <a:endParaRPr lang="en-NZ" i="1" dirty="0">
-              <a:solidFill>
-                <a:schemeClr val="bg1">
-                  <a:lumMod val="75000"/>
-                </a:schemeClr>
-              </a:solidFill>
-            </a:endParaRPr>
-          </a:p>
-        </p:txBody>
-      </p:sp>
-      <p:pic>
-        <p:nvPicPr>
-          <p:cNvPr id="4" name="Picture 3"/>
+          <p:cNvPr id="5" name="Picture 4"/>
           <p:cNvPicPr>
             <a:picLocks noChangeAspect="1"/>
           </p:cNvPicPr>
@@ -4780,7 +4423,224 @@
     </p:spTree>
     <p:extLst>
       <p:ext uri="{BB962C8B-B14F-4D97-AF65-F5344CB8AC3E}">
-        <p14:creationId xmlns:p14="http://schemas.microsoft.com/office/powerpoint/2010/main" val="75398649"/>
+        <p14:creationId xmlns:p14="http://schemas.microsoft.com/office/powerpoint/2010/main" val="4283793785"/>
+      </p:ext>
+    </p:extLst>
+  </p:cSld>
+  <p:clrMapOvr>
+    <a:masterClrMapping/>
+  </p:clrMapOvr>
+  <p:timing>
+    <p:tnLst>
+      <p:par>
+        <p:cTn id="1" dur="indefinite" restart="never" nodeType="tmRoot"/>
+      </p:par>
+    </p:tnLst>
+  </p:timing>
+</p:sld>
+</file>
+
+<file path=ppt/slides/slide6.xml><?xml version="1.0" encoding="utf-8"?>
+<p:sld xmlns:a="http://schemas.openxmlformats.org/drawingml/2006/main" xmlns:r="http://schemas.openxmlformats.org/officeDocument/2006/relationships" xmlns:p="http://schemas.openxmlformats.org/presentationml/2006/main">
+  <p:cSld>
+    <p:spTree>
+      <p:nvGrpSpPr>
+        <p:cNvPr id="1" name=""/>
+        <p:cNvGrpSpPr/>
+        <p:nvPr/>
+      </p:nvGrpSpPr>
+      <p:grpSpPr>
+        <a:xfrm>
+          <a:off x="0" y="0"/>
+          <a:ext cx="0" cy="0"/>
+          <a:chOff x="0" y="0"/>
+          <a:chExt cx="0" cy="0"/>
+        </a:xfrm>
+      </p:grpSpPr>
+      <p:sp>
+        <p:nvSpPr>
+          <p:cNvPr id="2" name="Title 1"/>
+          <p:cNvSpPr>
+            <a:spLocks noGrp="1"/>
+          </p:cNvSpPr>
+          <p:nvPr>
+            <p:ph type="title"/>
+          </p:nvPr>
+        </p:nvSpPr>
+        <p:spPr/>
+        <p:txBody>
+          <a:bodyPr/>
+          <a:lstStyle/>
+          <a:p>
+            <a:pPr algn="ctr"/>
+            <a:r>
+              <a:rPr lang="en-US" dirty="0"/>
+              <a:t>Hello Aderant </a:t>
+            </a:r>
+            <a:r>
+              <a:rPr lang="en-US" dirty="0" smtClean="0"/>
+              <a:t>Slot Machine</a:t>
+            </a:r>
+            <a:endParaRPr lang="en-NZ" dirty="0"/>
+          </a:p>
+        </p:txBody>
+      </p:sp>
+      <p:sp>
+        <p:nvSpPr>
+          <p:cNvPr id="3" name="Content Placeholder 2"/>
+          <p:cNvSpPr>
+            <a:spLocks noGrp="1"/>
+          </p:cNvSpPr>
+          <p:nvPr>
+            <p:ph idx="1"/>
+          </p:nvPr>
+        </p:nvSpPr>
+        <p:spPr>
+          <a:xfrm>
+            <a:off x="1143000" y="1825625"/>
+            <a:ext cx="10210800" cy="4351338"/>
+          </a:xfrm>
+        </p:spPr>
+        <p:txBody>
+          <a:bodyPr>
+            <a:normAutofit/>
+          </a:bodyPr>
+          <a:lstStyle/>
+          <a:p>
+            <a:r>
+              <a:rPr lang="en-US" sz="3600" i="1" dirty="0" smtClean="0"/>
+              <a:t>Features</a:t>
+            </a:r>
+          </a:p>
+          <a:p>
+            <a:pPr lvl="1">
+              <a:buFont typeface="Wingdings" panose="05000000000000000000" pitchFamily="2" charset="2"/>
+              <a:buChar char="v"/>
+            </a:pPr>
+            <a:r>
+              <a:rPr lang="en-US" sz="2800" dirty="0" smtClean="0"/>
+              <a:t>Spin</a:t>
+            </a:r>
+          </a:p>
+          <a:p>
+            <a:pPr lvl="1">
+              <a:buFont typeface="Wingdings" panose="05000000000000000000" pitchFamily="2" charset="2"/>
+              <a:buChar char="v"/>
+            </a:pPr>
+            <a:r>
+              <a:rPr lang="en-US" sz="2800" dirty="0" smtClean="0"/>
+              <a:t>Show the balance</a:t>
+            </a:r>
+          </a:p>
+          <a:p>
+            <a:pPr lvl="1">
+              <a:buFont typeface="Wingdings" panose="05000000000000000000" pitchFamily="2" charset="2"/>
+              <a:buChar char="v"/>
+            </a:pPr>
+            <a:r>
+              <a:rPr lang="en-US" sz="2800" dirty="0" smtClean="0"/>
+              <a:t>Choose the bet amount</a:t>
+            </a:r>
+          </a:p>
+          <a:p>
+            <a:pPr lvl="1">
+              <a:buFont typeface="Wingdings" panose="05000000000000000000" pitchFamily="2" charset="2"/>
+              <a:buChar char="v"/>
+            </a:pPr>
+            <a:r>
+              <a:rPr lang="en-US" sz="2800" dirty="0" smtClean="0"/>
+              <a:t>Deposit (Mock)</a:t>
+            </a:r>
+          </a:p>
+          <a:p>
+            <a:pPr lvl="1">
+              <a:buFont typeface="Wingdings" panose="05000000000000000000" pitchFamily="2" charset="2"/>
+              <a:buChar char="v"/>
+            </a:pPr>
+            <a:r>
+              <a:rPr lang="en-US" sz="2800" dirty="0" smtClean="0"/>
+              <a:t>Withdraw (Mock)</a:t>
+            </a:r>
+          </a:p>
+          <a:p>
+            <a:pPr lvl="1">
+              <a:buFont typeface="Wingdings" panose="05000000000000000000" pitchFamily="2" charset="2"/>
+              <a:buChar char="v"/>
+            </a:pPr>
+            <a:r>
+              <a:rPr lang="en-US" sz="2800" dirty="0" err="1" smtClean="0"/>
+              <a:t>Autoplay</a:t>
+            </a:r>
+            <a:endParaRPr lang="en-US" sz="2800" dirty="0" smtClean="0"/>
+          </a:p>
+          <a:p>
+            <a:pPr lvl="1">
+              <a:buFont typeface="Wingdings" panose="05000000000000000000" pitchFamily="2" charset="2"/>
+              <a:buChar char="v"/>
+            </a:pPr>
+            <a:r>
+              <a:rPr lang="en-US" sz="2800" dirty="0" smtClean="0"/>
+              <a:t>Sound effect</a:t>
+            </a:r>
+          </a:p>
+          <a:p>
+            <a:pPr lvl="1">
+              <a:buFont typeface="Wingdings" panose="05000000000000000000" pitchFamily="2" charset="2"/>
+              <a:buChar char="v"/>
+            </a:pPr>
+            <a:r>
+              <a:rPr lang="en-US" sz="700" dirty="0" smtClean="0">
+                <a:solidFill>
+                  <a:schemeClr val="bg1">
+                    <a:lumMod val="75000"/>
+                  </a:schemeClr>
+                </a:solidFill>
+              </a:rPr>
+              <a:t>Cheating</a:t>
+            </a:r>
+          </a:p>
+          <a:p>
+            <a:endParaRPr lang="en-US" sz="3600" dirty="0" smtClean="0"/>
+          </a:p>
+          <a:p>
+            <a:endParaRPr lang="en-US" sz="3600" dirty="0" smtClean="0"/>
+          </a:p>
+        </p:txBody>
+      </p:sp>
+      <p:pic>
+        <p:nvPicPr>
+          <p:cNvPr id="5" name="Picture 4"/>
+          <p:cNvPicPr>
+            <a:picLocks noChangeAspect="1"/>
+          </p:cNvPicPr>
+          <p:nvPr/>
+        </p:nvPicPr>
+        <p:blipFill>
+          <a:blip r:embed="rId2">
+            <a:extLst>
+              <a:ext uri="{28A0092B-C50C-407E-A947-70E740481C1C}">
+                <a14:useLocalDpi xmlns:a14="http://schemas.microsoft.com/office/drawing/2010/main" val="0"/>
+              </a:ext>
+            </a:extLst>
+          </a:blip>
+          <a:stretch>
+            <a:fillRect/>
+          </a:stretch>
+        </p:blipFill>
+        <p:spPr>
+          <a:xfrm>
+            <a:off x="95250" y="6216560"/>
+            <a:ext cx="1428750" cy="571500"/>
+          </a:xfrm>
+          <a:prstGeom prst="rect">
+            <a:avLst/>
+          </a:prstGeom>
+        </p:spPr>
+      </p:pic>
+    </p:spTree>
+    <p:extLst>
+      <p:ext uri="{BB962C8B-B14F-4D97-AF65-F5344CB8AC3E}">
+        <p14:creationId xmlns:p14="http://schemas.microsoft.com/office/powerpoint/2010/main" val="2266109043"/>
       </p:ext>
     </p:extLst>
   </p:cSld>
@@ -4824,28 +4684,203 @@
             <p:ph type="title"/>
           </p:nvPr>
         </p:nvSpPr>
-        <p:spPr>
-          <a:xfrm>
-            <a:off x="960902" y="728195"/>
-            <a:ext cx="10515600" cy="1325563"/>
-          </a:xfrm>
-        </p:spPr>
+        <p:spPr/>
         <p:txBody>
           <a:bodyPr/>
           <a:lstStyle/>
           <a:p>
             <a:pPr algn="ctr"/>
             <a:r>
+              <a:rPr lang="en-US" dirty="0"/>
+              <a:t>Hello Aderant </a:t>
+            </a:r>
+            <a:r>
               <a:rPr lang="en-US" dirty="0" smtClean="0"/>
-              <a:t>Complete the BI Cycle</a:t>
+              <a:t>Slot Machine</a:t>
             </a:r>
             <a:endParaRPr lang="en-NZ" dirty="0"/>
+          </a:p>
+        </p:txBody>
+      </p:sp>
+      <p:sp>
+        <p:nvSpPr>
+          <p:cNvPr id="3" name="Content Placeholder 2"/>
+          <p:cNvSpPr>
+            <a:spLocks noGrp="1"/>
+          </p:cNvSpPr>
+          <p:nvPr>
+            <p:ph idx="1"/>
+          </p:nvPr>
+        </p:nvSpPr>
+        <p:spPr/>
+        <p:txBody>
+          <a:bodyPr>
+            <a:normAutofit/>
+          </a:bodyPr>
+          <a:lstStyle/>
+          <a:p>
+            <a:r>
+              <a:rPr lang="en-US" sz="3600" i="1" dirty="0" smtClean="0"/>
+              <a:t>Reward Mechanism</a:t>
+            </a:r>
+          </a:p>
+          <a:p>
+            <a:pPr lvl="1">
+              <a:buFont typeface="Wingdings" panose="05000000000000000000" pitchFamily="2" charset="2"/>
+              <a:buChar char="v"/>
+            </a:pPr>
+            <a:r>
+              <a:rPr lang="en-US" sz="2800" dirty="0" smtClean="0"/>
+              <a:t>Based on the continuous repeated character</a:t>
+            </a:r>
+          </a:p>
+          <a:p>
+            <a:pPr lvl="1">
+              <a:buFont typeface="Wingdings" panose="05000000000000000000" pitchFamily="2" charset="2"/>
+              <a:buChar char="v"/>
+            </a:pPr>
+            <a:r>
+              <a:rPr lang="en-US" sz="2800" dirty="0"/>
+              <a:t>Based </a:t>
+            </a:r>
+            <a:r>
+              <a:rPr lang="en-US" sz="2800" dirty="0" smtClean="0"/>
+              <a:t>on the same position of character as ADERANT</a:t>
+            </a:r>
+          </a:p>
+          <a:p>
+            <a:pPr lvl="1">
+              <a:buFont typeface="Wingdings" panose="05000000000000000000" pitchFamily="2" charset="2"/>
+              <a:buChar char="v"/>
+            </a:pPr>
+            <a:r>
+              <a:rPr lang="en-US" sz="2800" dirty="0" smtClean="0"/>
+              <a:t>Formula:   </a:t>
+            </a:r>
+            <a:r>
+              <a:rPr lang="en-NZ" sz="3200" dirty="0" smtClean="0"/>
+              <a:t>2</a:t>
+            </a:r>
+            <a:r>
+              <a:rPr lang="en-NZ" sz="3200" baseline="30000" dirty="0" smtClean="0"/>
+              <a:t>(repeatedChar-2</a:t>
+            </a:r>
+            <a:r>
+              <a:rPr lang="en-NZ" sz="3200" baseline="30000" dirty="0"/>
+              <a:t>)</a:t>
+            </a:r>
+            <a:r>
+              <a:rPr lang="en-NZ" sz="3200" dirty="0"/>
+              <a:t>*</a:t>
+            </a:r>
+            <a:r>
+              <a:rPr lang="en-NZ" sz="3200" dirty="0" err="1" smtClean="0"/>
+              <a:t>betAmount</a:t>
+            </a:r>
+            <a:endParaRPr lang="en-NZ" sz="3200" dirty="0" smtClean="0"/>
+          </a:p>
+          <a:p>
+            <a:pPr marL="914400" lvl="2" indent="0">
+              <a:buNone/>
+            </a:pPr>
+            <a:r>
+              <a:rPr lang="en-US" sz="2800" dirty="0" smtClean="0">
+                <a:latin typeface="+mj-lt"/>
+              </a:rPr>
+              <a:t>E.g. Bet for $10, result is AA</a:t>
+            </a:r>
+            <a:r>
+              <a:rPr lang="en-US" sz="2800" b="1" dirty="0" smtClean="0">
+                <a:solidFill>
+                  <a:srgbClr val="FF0000"/>
+                </a:solidFill>
+                <a:latin typeface="+mj-lt"/>
+              </a:rPr>
+              <a:t>DDD</a:t>
+            </a:r>
+            <a:r>
+              <a:rPr lang="en-US" sz="2800" dirty="0" smtClean="0">
+                <a:latin typeface="+mj-lt"/>
+              </a:rPr>
+              <a:t>NN</a:t>
+            </a:r>
+          </a:p>
+          <a:p>
+            <a:pPr marL="914400" lvl="2" indent="0">
+              <a:buNone/>
+            </a:pPr>
+            <a:r>
+              <a:rPr lang="en-US" sz="2800" dirty="0">
+                <a:latin typeface="+mj-lt"/>
+              </a:rPr>
+              <a:t> </a:t>
+            </a:r>
+            <a:r>
+              <a:rPr lang="en-US" sz="2800" dirty="0" smtClean="0">
+                <a:latin typeface="+mj-lt"/>
+              </a:rPr>
+              <a:t>   =&gt; Maximum number of repeated characters is 3</a:t>
+            </a:r>
+          </a:p>
+          <a:p>
+            <a:pPr marL="914400" lvl="2" indent="0">
+              <a:buNone/>
+            </a:pPr>
+            <a:r>
+              <a:rPr lang="en-US" sz="2800" dirty="0">
+                <a:latin typeface="+mj-lt"/>
+              </a:rPr>
+              <a:t> </a:t>
+            </a:r>
+            <a:r>
+              <a:rPr lang="en-US" sz="2800" dirty="0" smtClean="0">
+                <a:latin typeface="+mj-lt"/>
+              </a:rPr>
+              <a:t>   =&gt; Reward will be </a:t>
+            </a:r>
+            <a:r>
+              <a:rPr lang="en-NZ" sz="2800" dirty="0" smtClean="0">
+                <a:latin typeface="+mj-lt"/>
+              </a:rPr>
+              <a:t>2</a:t>
+            </a:r>
+            <a:r>
+              <a:rPr lang="en-NZ" sz="2800" baseline="30000" dirty="0" smtClean="0">
+                <a:latin typeface="+mj-lt"/>
+              </a:rPr>
+              <a:t>(3-2)</a:t>
+            </a:r>
+            <a:r>
+              <a:rPr lang="en-NZ" sz="2800" dirty="0" smtClean="0">
+                <a:latin typeface="+mj-lt"/>
+              </a:rPr>
+              <a:t>*10 = 20</a:t>
+            </a:r>
+            <a:endParaRPr lang="en-NZ" sz="2800" dirty="0">
+              <a:latin typeface="+mj-lt"/>
+            </a:endParaRPr>
+          </a:p>
+          <a:p>
+            <a:pPr marL="457200" lvl="1" indent="0">
+              <a:buNone/>
+            </a:pPr>
+            <a:endParaRPr lang="en-NZ" dirty="0"/>
+          </a:p>
+          <a:p>
+            <a:pPr lvl="1">
+              <a:buFont typeface="Wingdings" panose="05000000000000000000" pitchFamily="2" charset="2"/>
+              <a:buChar char="v"/>
+            </a:pPr>
+            <a:endParaRPr lang="en-US" sz="3600" dirty="0" smtClean="0"/>
+          </a:p>
+          <a:p>
+            <a:endParaRPr lang="en-US" sz="3600" dirty="0" smtClean="0"/>
           </a:p>
         </p:txBody>
       </p:sp>
       <p:pic>
         <p:nvPicPr>
-          <p:cNvPr id="4" name="Picture 3"/>
+          <p:cNvPr id="5" name="Picture 4"/>
           <p:cNvPicPr>
             <a:picLocks noChangeAspect="1"/>
           </p:cNvPicPr>
@@ -4873,34 +4908,10 @@
           </a:prstGeom>
         </p:spPr>
       </p:pic>
-      <p:pic>
-        <p:nvPicPr>
-          <p:cNvPr id="6" name="Picture 5"/>
-          <p:cNvPicPr>
-            <a:picLocks noChangeAspect="1"/>
-          </p:cNvPicPr>
-          <p:nvPr/>
-        </p:nvPicPr>
-        <p:blipFill>
-          <a:blip r:embed="rId3"/>
-          <a:stretch>
-            <a:fillRect/>
-          </a:stretch>
-        </p:blipFill>
-        <p:spPr>
-          <a:xfrm>
-            <a:off x="3297853" y="2629423"/>
-            <a:ext cx="6453478" cy="2302057"/>
-          </a:xfrm>
-          <a:prstGeom prst="rect">
-            <a:avLst/>
-          </a:prstGeom>
-        </p:spPr>
-      </p:pic>
     </p:spTree>
     <p:extLst>
       <p:ext uri="{BB962C8B-B14F-4D97-AF65-F5344CB8AC3E}">
-        <p14:creationId xmlns:p14="http://schemas.microsoft.com/office/powerpoint/2010/main" val="1096232936"/>
+        <p14:creationId xmlns:p14="http://schemas.microsoft.com/office/powerpoint/2010/main" val="3008811168"/>
       </p:ext>
     </p:extLst>
   </p:cSld>
@@ -4918,6 +4929,103 @@
 </file>
 
 <file path=ppt/slides/slide8.xml><?xml version="1.0" encoding="utf-8"?>
+<p:sld xmlns:a="http://schemas.openxmlformats.org/drawingml/2006/main" xmlns:r="http://schemas.openxmlformats.org/officeDocument/2006/relationships" xmlns:p="http://schemas.openxmlformats.org/presentationml/2006/main">
+  <p:cSld>
+    <p:spTree>
+      <p:nvGrpSpPr>
+        <p:cNvPr id="1" name=""/>
+        <p:cNvGrpSpPr/>
+        <p:nvPr/>
+      </p:nvGrpSpPr>
+      <p:grpSpPr>
+        <a:xfrm>
+          <a:off x="0" y="0"/>
+          <a:ext cx="0" cy="0"/>
+          <a:chOff x="0" y="0"/>
+          <a:chExt cx="0" cy="0"/>
+        </a:xfrm>
+      </p:grpSpPr>
+      <p:sp>
+        <p:nvSpPr>
+          <p:cNvPr id="2" name="Title 1"/>
+          <p:cNvSpPr>
+            <a:spLocks noGrp="1"/>
+          </p:cNvSpPr>
+          <p:nvPr>
+            <p:ph type="title"/>
+          </p:nvPr>
+        </p:nvSpPr>
+        <p:spPr/>
+        <p:txBody>
+          <a:bodyPr/>
+          <a:lstStyle/>
+          <a:p>
+            <a:pPr algn="ctr"/>
+            <a:r>
+              <a:rPr lang="en-US" dirty="0" smtClean="0"/>
+              <a:t>Other things about Slot Machine </a:t>
+            </a:r>
+            <a:endParaRPr lang="en-NZ" dirty="0"/>
+          </a:p>
+        </p:txBody>
+      </p:sp>
+      <p:sp>
+        <p:nvSpPr>
+          <p:cNvPr id="3" name="Content Placeholder 2"/>
+          <p:cNvSpPr>
+            <a:spLocks noGrp="1"/>
+          </p:cNvSpPr>
+          <p:nvPr>
+            <p:ph idx="1"/>
+          </p:nvPr>
+        </p:nvSpPr>
+        <p:spPr/>
+        <p:txBody>
+          <a:bodyPr/>
+          <a:lstStyle/>
+          <a:p>
+            <a:r>
+              <a:rPr lang="en-US" i="1" dirty="0" smtClean="0"/>
+              <a:t>Random Number Generator – RNG</a:t>
+            </a:r>
+          </a:p>
+          <a:p>
+            <a:r>
+              <a:rPr lang="en-US" i="1" dirty="0" smtClean="0"/>
+              <a:t>Theme</a:t>
+            </a:r>
+          </a:p>
+          <a:p>
+            <a:r>
+              <a:rPr lang="en-US" i="1" dirty="0" smtClean="0"/>
+              <a:t>Reward mechanism based </a:t>
+            </a:r>
+            <a:r>
+              <a:rPr lang="en-US" i="1" dirty="0" smtClean="0"/>
+              <a:t>on player </a:t>
+            </a:r>
+            <a:r>
+              <a:rPr lang="en-US" i="1" dirty="0" smtClean="0"/>
+              <a:t>classification</a:t>
+            </a:r>
+            <a:endParaRPr lang="en-NZ" i="1" dirty="0"/>
+          </a:p>
+        </p:txBody>
+      </p:sp>
+    </p:spTree>
+    <p:extLst>
+      <p:ext uri="{BB962C8B-B14F-4D97-AF65-F5344CB8AC3E}">
+        <p14:creationId xmlns:p14="http://schemas.microsoft.com/office/powerpoint/2010/main" val="3315797408"/>
+      </p:ext>
+    </p:extLst>
+  </p:cSld>
+  <p:clrMapOvr>
+    <a:masterClrMapping/>
+  </p:clrMapOvr>
+</p:sld>
+</file>
+
+<file path=ppt/slides/slide9.xml><?xml version="1.0" encoding="utf-8"?>
 <p:sld xmlns:a="http://schemas.openxmlformats.org/drawingml/2006/main" xmlns:r="http://schemas.openxmlformats.org/officeDocument/2006/relationships" xmlns:p="http://schemas.openxmlformats.org/presentationml/2006/main">
   <p:cSld>
     <p:spTree>
@@ -5012,104 +5120,6 @@
       </p:par>
     </p:tnLst>
   </p:timing>
-</p:sld>
-</file>
-
-<file path=ppt/slides/slide9.xml><?xml version="1.0" encoding="utf-8"?>
-<p:sld xmlns:a="http://schemas.openxmlformats.org/drawingml/2006/main" xmlns:r="http://schemas.openxmlformats.org/officeDocument/2006/relationships" xmlns:p="http://schemas.openxmlformats.org/presentationml/2006/main">
-  <p:cSld>
-    <p:spTree>
-      <p:nvGrpSpPr>
-        <p:cNvPr id="1" name=""/>
-        <p:cNvGrpSpPr/>
-        <p:nvPr/>
-      </p:nvGrpSpPr>
-      <p:grpSpPr>
-        <a:xfrm>
-          <a:off x="0" y="0"/>
-          <a:ext cx="0" cy="0"/>
-          <a:chOff x="0" y="0"/>
-          <a:chExt cx="0" cy="0"/>
-        </a:xfrm>
-      </p:grpSpPr>
-      <p:sp>
-        <p:nvSpPr>
-          <p:cNvPr id="2" name="Title 1"/>
-          <p:cNvSpPr>
-            <a:spLocks noGrp="1"/>
-          </p:cNvSpPr>
-          <p:nvPr>
-            <p:ph type="title"/>
-          </p:nvPr>
-        </p:nvSpPr>
-        <p:spPr>
-          <a:xfrm>
-            <a:off x="838200" y="2807883"/>
-            <a:ext cx="10515600" cy="1325563"/>
-          </a:xfrm>
-        </p:spPr>
-        <p:txBody>
-          <a:bodyPr vert="horz" lIns="91440" tIns="45720" rIns="91440" bIns="45720" rtlCol="0" anchor="ctr">
-            <a:normAutofit fontScale="90000"/>
-          </a:bodyPr>
-          <a:lstStyle/>
-          <a:p>
-            <a:pPr algn="ctr"/>
-            <a:r>
-              <a:rPr lang="en-US" sz="6000" b="1" dirty="0"/>
-              <a:t>Thank you</a:t>
-            </a:r>
-            <a:r>
-              <a:rPr lang="en-NZ" sz="6000" b="1" dirty="0"/>
-              <a:t/>
-            </a:r>
-            <a:br>
-              <a:rPr lang="en-NZ" sz="6000" b="1" dirty="0"/>
-            </a:br>
-            <a:endParaRPr lang="en-NZ" sz="6000" b="1" dirty="0"/>
-          </a:p>
-        </p:txBody>
-      </p:sp>
-      <p:pic>
-        <p:nvPicPr>
-          <p:cNvPr id="4" name="Picture 3"/>
-          <p:cNvPicPr>
-            <a:picLocks noChangeAspect="1"/>
-          </p:cNvPicPr>
-          <p:nvPr/>
-        </p:nvPicPr>
-        <p:blipFill>
-          <a:blip r:embed="rId2">
-            <a:extLst>
-              <a:ext uri="{28A0092B-C50C-407E-A947-70E740481C1C}">
-                <a14:useLocalDpi xmlns:a14="http://schemas.microsoft.com/office/drawing/2010/main" val="0"/>
-              </a:ext>
-            </a:extLst>
-          </a:blip>
-          <a:stretch>
-            <a:fillRect/>
-          </a:stretch>
-        </p:blipFill>
-        <p:spPr>
-          <a:xfrm>
-            <a:off x="95250" y="6216560"/>
-            <a:ext cx="1428750" cy="571500"/>
-          </a:xfrm>
-          <a:prstGeom prst="rect">
-            <a:avLst/>
-          </a:prstGeom>
-        </p:spPr>
-      </p:pic>
-    </p:spTree>
-    <p:extLst>
-      <p:ext uri="{BB962C8B-B14F-4D97-AF65-F5344CB8AC3E}">
-        <p14:creationId xmlns:p14="http://schemas.microsoft.com/office/powerpoint/2010/main" val="1399518188"/>
-      </p:ext>
-    </p:extLst>
-  </p:cSld>
-  <p:clrMapOvr>
-    <a:masterClrMapping/>
-  </p:clrMapOvr>
 </p:sld>
 </file>
 

--- a/helloaderant-WilliamXie.pptx
+++ b/helloaderant-WilliamXie.pptx
@@ -252,7 +252,7 @@
           <a:p>
             <a:fld id="{0093D321-B532-4B71-A5E6-599A1C1685B7}" type="datetimeFigureOut">
               <a:rPr lang="en-NZ" smtClean="0"/>
-              <a:t>26/03/2019</a:t>
+              <a:t>27/03/2019</a:t>
             </a:fld>
             <a:endParaRPr lang="en-NZ"/>
           </a:p>
@@ -422,7 +422,7 @@
           <a:p>
             <a:fld id="{0093D321-B532-4B71-A5E6-599A1C1685B7}" type="datetimeFigureOut">
               <a:rPr lang="en-NZ" smtClean="0"/>
-              <a:t>26/03/2019</a:t>
+              <a:t>27/03/2019</a:t>
             </a:fld>
             <a:endParaRPr lang="en-NZ"/>
           </a:p>
@@ -602,7 +602,7 @@
           <a:p>
             <a:fld id="{0093D321-B532-4B71-A5E6-599A1C1685B7}" type="datetimeFigureOut">
               <a:rPr lang="en-NZ" smtClean="0"/>
-              <a:t>26/03/2019</a:t>
+              <a:t>27/03/2019</a:t>
             </a:fld>
             <a:endParaRPr lang="en-NZ"/>
           </a:p>
@@ -772,7 +772,7 @@
           <a:p>
             <a:fld id="{0093D321-B532-4B71-A5E6-599A1C1685B7}" type="datetimeFigureOut">
               <a:rPr lang="en-NZ" smtClean="0"/>
-              <a:t>26/03/2019</a:t>
+              <a:t>27/03/2019</a:t>
             </a:fld>
             <a:endParaRPr lang="en-NZ"/>
           </a:p>
@@ -1018,7 +1018,7 @@
           <a:p>
             <a:fld id="{0093D321-B532-4B71-A5E6-599A1C1685B7}" type="datetimeFigureOut">
               <a:rPr lang="en-NZ" smtClean="0"/>
-              <a:t>26/03/2019</a:t>
+              <a:t>27/03/2019</a:t>
             </a:fld>
             <a:endParaRPr lang="en-NZ"/>
           </a:p>
@@ -1250,7 +1250,7 @@
           <a:p>
             <a:fld id="{0093D321-B532-4B71-A5E6-599A1C1685B7}" type="datetimeFigureOut">
               <a:rPr lang="en-NZ" smtClean="0"/>
-              <a:t>26/03/2019</a:t>
+              <a:t>27/03/2019</a:t>
             </a:fld>
             <a:endParaRPr lang="en-NZ"/>
           </a:p>
@@ -1617,7 +1617,7 @@
           <a:p>
             <a:fld id="{0093D321-B532-4B71-A5E6-599A1C1685B7}" type="datetimeFigureOut">
               <a:rPr lang="en-NZ" smtClean="0"/>
-              <a:t>26/03/2019</a:t>
+              <a:t>27/03/2019</a:t>
             </a:fld>
             <a:endParaRPr lang="en-NZ"/>
           </a:p>
@@ -1735,7 +1735,7 @@
           <a:p>
             <a:fld id="{0093D321-B532-4B71-A5E6-599A1C1685B7}" type="datetimeFigureOut">
               <a:rPr lang="en-NZ" smtClean="0"/>
-              <a:t>26/03/2019</a:t>
+              <a:t>27/03/2019</a:t>
             </a:fld>
             <a:endParaRPr lang="en-NZ"/>
           </a:p>
@@ -1830,7 +1830,7 @@
           <a:p>
             <a:fld id="{0093D321-B532-4B71-A5E6-599A1C1685B7}" type="datetimeFigureOut">
               <a:rPr lang="en-NZ" smtClean="0"/>
-              <a:t>26/03/2019</a:t>
+              <a:t>27/03/2019</a:t>
             </a:fld>
             <a:endParaRPr lang="en-NZ"/>
           </a:p>
@@ -2107,7 +2107,7 @@
           <a:p>
             <a:fld id="{0093D321-B532-4B71-A5E6-599A1C1685B7}" type="datetimeFigureOut">
               <a:rPr lang="en-NZ" smtClean="0"/>
-              <a:t>26/03/2019</a:t>
+              <a:t>27/03/2019</a:t>
             </a:fld>
             <a:endParaRPr lang="en-NZ"/>
           </a:p>
@@ -2360,7 +2360,7 @@
           <a:p>
             <a:fld id="{0093D321-B532-4B71-A5E6-599A1C1685B7}" type="datetimeFigureOut">
               <a:rPr lang="en-NZ" smtClean="0"/>
-              <a:t>26/03/2019</a:t>
+              <a:t>27/03/2019</a:t>
             </a:fld>
             <a:endParaRPr lang="en-NZ"/>
           </a:p>
@@ -2573,7 +2573,7 @@
           <a:p>
             <a:fld id="{0093D321-B532-4B71-A5E6-599A1C1685B7}" type="datetimeFigureOut">
               <a:rPr lang="en-NZ" smtClean="0"/>
-              <a:t>26/03/2019</a:t>
+              <a:t>27/03/2019</a:t>
             </a:fld>
             <a:endParaRPr lang="en-NZ"/>
           </a:p>
@@ -3031,11 +3031,7 @@
             <a:pPr algn="r"/>
             <a:r>
               <a:rPr lang="en-US" sz="3200" i="1" dirty="0" smtClean="0"/>
-              <a:t>--</a:t>
-            </a:r>
-            <a:r>
-              <a:rPr lang="en-US" sz="3200" i="1" dirty="0" smtClean="0"/>
-              <a:t>Slot Machine</a:t>
+              <a:t>--Slot Machine</a:t>
             </a:r>
             <a:endParaRPr lang="en-NZ" sz="3200" i="1" dirty="0"/>
           </a:p>
@@ -3093,7 +3089,7 @@
           <a:graphicData uri="http://schemas.openxmlformats.org/presentationml/2006/ole">
             <mc:AlternateContent xmlns:mc="http://schemas.openxmlformats.org/markup-compatibility/2006">
               <mc:Choice xmlns:v="urn:schemas-microsoft-com:vml" Requires="v">
-                <p:oleObj spid="_x0000_s1047" name="Document" r:id="rId4" imgW="5731521" imgH="489784" progId="Word.Document.12">
+                <p:oleObj spid="_x0000_s1055" name="Document" r:id="rId4" imgW="5731521" imgH="489784" progId="Word.Document.12">
                   <p:embed/>
                 </p:oleObj>
               </mc:Choice>
@@ -3243,6 +3239,13 @@
   <p:clrMapOvr>
     <a:masterClrMapping/>
   </p:clrMapOvr>
+  <p:timing>
+    <p:tnLst>
+      <p:par>
+        <p:cTn id="1" dur="indefinite" restart="never" nodeType="tmRoot"/>
+      </p:par>
+    </p:tnLst>
+  </p:timing>
 </p:sld>
 </file>
 
@@ -3345,6 +3348,13 @@
   <p:clrMapOvr>
     <a:masterClrMapping/>
   </p:clrMapOvr>
+  <p:timing>
+    <p:tnLst>
+      <p:par>
+        <p:cTn id="1" dur="indefinite" restart="never" nodeType="tmRoot"/>
+      </p:par>
+    </p:tnLst>
+  </p:timing>
 </p:sld>
 </file>
 
@@ -3569,14 +3579,21 @@
         </p:spPr>
         <p:txBody>
           <a:bodyPr>
-            <a:normAutofit/>
+            <a:normAutofit fontScale="92500" lnSpcReduction="20000"/>
           </a:bodyPr>
           <a:lstStyle/>
+          <a:p>
+            <a:r>
+              <a:rPr lang="en-US" sz="3600" dirty="0"/>
+              <a:t>Inspiration</a:t>
+            </a:r>
+          </a:p>
           <a:p>
             <a:r>
               <a:rPr lang="en-US" sz="3600" dirty="0" smtClean="0"/>
               <a:t>URL</a:t>
             </a:r>
+            <a:endParaRPr lang="en-US" sz="3600" dirty="0" smtClean="0"/>
           </a:p>
           <a:p>
             <a:pPr marL="457200" lvl="1" indent="0">
@@ -4715,14 +4732,43 @@
         <p:spPr/>
         <p:txBody>
           <a:bodyPr>
-            <a:normAutofit/>
+            <a:normAutofit lnSpcReduction="10000"/>
           </a:bodyPr>
           <a:lstStyle/>
           <a:p>
             <a:r>
               <a:rPr lang="en-US" sz="3600" i="1" dirty="0" smtClean="0"/>
-              <a:t>Reward Mechanism</a:t>
-            </a:r>
+              <a:t>Reward Mechanism </a:t>
+            </a:r>
+            <a:r>
+              <a:rPr lang="en-US" sz="2200" i="1" dirty="0" smtClean="0"/>
+              <a:t>(</a:t>
+            </a:r>
+            <a:r>
+              <a:rPr lang="en-US" sz="2200" dirty="0"/>
+              <a:t>Formula:   </a:t>
+            </a:r>
+            <a:r>
+              <a:rPr lang="en-NZ" sz="2200" dirty="0"/>
+              <a:t>2</a:t>
+            </a:r>
+            <a:r>
+              <a:rPr lang="en-NZ" sz="2200" baseline="30000" dirty="0"/>
+              <a:t>(repeatedChar-2)</a:t>
+            </a:r>
+            <a:r>
+              <a:rPr lang="en-NZ" sz="2200" dirty="0"/>
+              <a:t>*</a:t>
+            </a:r>
+            <a:r>
+              <a:rPr lang="en-NZ" sz="2200" dirty="0" err="1" smtClean="0"/>
+              <a:t>betAmount</a:t>
+            </a:r>
+            <a:r>
+              <a:rPr lang="en-NZ" sz="2200" dirty="0" smtClean="0"/>
+              <a:t>)</a:t>
+            </a:r>
+            <a:endParaRPr lang="en-US" sz="2200" i="1" dirty="0" smtClean="0"/>
           </a:p>
           <a:p>
             <a:pPr lvl="1">
@@ -4730,9 +4776,69 @@
               <a:buChar char="v"/>
             </a:pPr>
             <a:r>
+              <a:rPr lang="en-US" sz="2800" b="1" dirty="0" smtClean="0"/>
+              <a:t>A. </a:t>
+            </a:r>
+            <a:r>
               <a:rPr lang="en-US" sz="2800" dirty="0" smtClean="0"/>
               <a:t>Based on the continuous repeated character</a:t>
             </a:r>
+          </a:p>
+          <a:p>
+            <a:pPr marL="914400" lvl="2" indent="0">
+              <a:buNone/>
+            </a:pPr>
+            <a:r>
+              <a:rPr lang="en-US" sz="2800" dirty="0"/>
+              <a:t>E.g. Bet for $10, result is AA</a:t>
+            </a:r>
+            <a:r>
+              <a:rPr lang="en-US" sz="2800" b="1" dirty="0">
+                <a:solidFill>
+                  <a:srgbClr val="FF0000"/>
+                </a:solidFill>
+              </a:rPr>
+              <a:t>DDD</a:t>
+            </a:r>
+            <a:r>
+              <a:rPr lang="en-US" sz="2800" dirty="0"/>
+              <a:t>NN</a:t>
+            </a:r>
+          </a:p>
+          <a:p>
+            <a:pPr marL="914400" lvl="2" indent="0">
+              <a:buNone/>
+            </a:pPr>
+            <a:r>
+              <a:rPr lang="en-US" sz="2800" dirty="0"/>
+              <a:t>    =&gt; Maximum number of repeated characters is 3</a:t>
+            </a:r>
+          </a:p>
+          <a:p>
+            <a:pPr marL="914400" lvl="2" indent="0">
+              <a:buNone/>
+            </a:pPr>
+            <a:r>
+              <a:rPr lang="en-US" sz="2800" dirty="0"/>
+              <a:t>    =&gt; Reward will be </a:t>
+            </a:r>
+            <a:r>
+              <a:rPr lang="en-NZ" sz="2800" dirty="0"/>
+              <a:t>2</a:t>
+            </a:r>
+            <a:r>
+              <a:rPr lang="en-NZ" sz="2800" baseline="30000" dirty="0"/>
+              <a:t>(3-2)</a:t>
+            </a:r>
+            <a:r>
+              <a:rPr lang="en-NZ" sz="2800" dirty="0"/>
+              <a:t>*10 = </a:t>
+            </a:r>
+            <a:r>
+              <a:rPr lang="en-NZ" sz="2800" dirty="0" smtClean="0"/>
+              <a:t>20</a:t>
+            </a:r>
+            <a:endParaRPr lang="en-US" sz="2800" dirty="0" smtClean="0"/>
           </a:p>
           <a:p>
             <a:pPr lvl="1">
@@ -4740,86 +4846,67 @@
               <a:buChar char="v"/>
             </a:pPr>
             <a:r>
+              <a:rPr lang="en-US" sz="2800" b="1" dirty="0" smtClean="0"/>
+              <a:t>B.</a:t>
+            </a:r>
+            <a:r>
+              <a:rPr lang="en-US" sz="2800" dirty="0" smtClean="0"/>
+              <a:t> Based on the same position of character as ADERANT</a:t>
+            </a:r>
+          </a:p>
+          <a:p>
+            <a:pPr marL="914400" lvl="2" indent="0">
+              <a:buNone/>
+            </a:pPr>
+            <a:r>
               <a:rPr lang="en-US" sz="2800" dirty="0"/>
-              <a:t>Based </a:t>
-            </a:r>
-            <a:r>
-              <a:rPr lang="en-US" sz="2800" dirty="0" smtClean="0"/>
-              <a:t>on the same position of character as ADERANT</a:t>
-            </a:r>
-          </a:p>
-          <a:p>
-            <a:pPr lvl="1">
-              <a:buFont typeface="Wingdings" panose="05000000000000000000" pitchFamily="2" charset="2"/>
-              <a:buChar char="v"/>
-            </a:pPr>
-            <a:r>
-              <a:rPr lang="en-US" sz="2800" dirty="0" smtClean="0"/>
-              <a:t>Formula:   </a:t>
-            </a:r>
-            <a:r>
-              <a:rPr lang="en-NZ" sz="3200" dirty="0" smtClean="0"/>
-              <a:t>2</a:t>
-            </a:r>
-            <a:r>
-              <a:rPr lang="en-NZ" sz="3200" baseline="30000" dirty="0" smtClean="0"/>
-              <a:t>(repeatedChar-2</a:t>
-            </a:r>
-            <a:r>
-              <a:rPr lang="en-NZ" sz="3200" baseline="30000" dirty="0"/>
-              <a:t>)</a:t>
-            </a:r>
-            <a:r>
-              <a:rPr lang="en-NZ" sz="3200" dirty="0"/>
-              <a:t>*</a:t>
-            </a:r>
-            <a:r>
-              <a:rPr lang="en-NZ" sz="3200" dirty="0" err="1" smtClean="0"/>
-              <a:t>betAmount</a:t>
-            </a:r>
-            <a:endParaRPr lang="en-NZ" sz="3200" dirty="0" smtClean="0"/>
-          </a:p>
-          <a:p>
-            <a:pPr marL="914400" lvl="2" indent="0">
-              <a:buNone/>
-            </a:pPr>
-            <a:r>
-              <a:rPr lang="en-US" sz="2800" dirty="0" smtClean="0">
-                <a:latin typeface="+mj-lt"/>
-              </a:rPr>
-              <a:t>E.g. Bet for $10, result is AA</a:t>
+              <a:t>E.g. Bet for $10, result is </a:t>
             </a:r>
             <a:r>
               <a:rPr lang="en-US" sz="2800" b="1" dirty="0" smtClean="0">
                 <a:solidFill>
                   <a:srgbClr val="FF0000"/>
                 </a:solidFill>
-                <a:latin typeface="+mj-lt"/>
               </a:rPr>
-              <a:t>DDD</a:t>
-            </a:r>
-            <a:r>
-              <a:rPr lang="en-US" sz="2800" dirty="0" smtClean="0">
-                <a:latin typeface="+mj-lt"/>
+              <a:t>A</a:t>
+            </a:r>
+            <a:r>
+              <a:rPr lang="en-US" sz="2800" dirty="0" smtClean="0"/>
+              <a:t>A</a:t>
+            </a:r>
+            <a:r>
+              <a:rPr lang="en-US" sz="2800" b="1" dirty="0" smtClean="0">
+                <a:solidFill>
+                  <a:srgbClr val="FF0000"/>
+                </a:solidFill>
               </a:rPr>
-              <a:t>NN</a:t>
-            </a:r>
+              <a:t>E</a:t>
+            </a:r>
+            <a:r>
+              <a:rPr lang="en-US" sz="2800" dirty="0" smtClean="0"/>
+              <a:t>DD</a:t>
+            </a:r>
+            <a:r>
+              <a:rPr lang="en-US" sz="2800" b="1" dirty="0" smtClean="0">
+                <a:solidFill>
+                  <a:srgbClr val="FF0000"/>
+                </a:solidFill>
+              </a:rPr>
+              <a:t>N</a:t>
+            </a:r>
+            <a:r>
+              <a:rPr lang="en-US" sz="2800" dirty="0" smtClean="0"/>
+              <a:t>N</a:t>
+            </a:r>
+            <a:endParaRPr lang="en-US" sz="2800" dirty="0"/>
           </a:p>
           <a:p>
             <a:pPr marL="914400" lvl="2" indent="0">
               <a:buNone/>
             </a:pPr>
             <a:r>
-              <a:rPr lang="en-US" sz="2800" dirty="0">
-                <a:latin typeface="+mj-lt"/>
-              </a:rPr>
-              <a:t> </a:t>
-            </a:r>
-            <a:r>
-              <a:rPr lang="en-US" sz="2800" dirty="0" smtClean="0">
-                <a:latin typeface="+mj-lt"/>
-              </a:rPr>
-              <a:t>   =&gt; Maximum number of repeated characters is 3</a:t>
+              <a:rPr lang="en-US" sz="2800" dirty="0"/>
+              <a:t>    =&gt; Maximum number of repeated characters is 3</a:t>
             </a:r>
           </a:p>
           <a:p>
@@ -4827,44 +4914,40 @@
               <a:buNone/>
             </a:pPr>
             <a:r>
-              <a:rPr lang="en-US" sz="2800" dirty="0">
-                <a:latin typeface="+mj-lt"/>
-              </a:rPr>
-              <a:t> </a:t>
-            </a:r>
-            <a:r>
-              <a:rPr lang="en-US" sz="2800" dirty="0" smtClean="0">
-                <a:latin typeface="+mj-lt"/>
-              </a:rPr>
-              <a:t>   =&gt; Reward will be </a:t>
-            </a:r>
-            <a:r>
-              <a:rPr lang="en-NZ" sz="2800" dirty="0" smtClean="0">
-                <a:latin typeface="+mj-lt"/>
-              </a:rPr>
+              <a:rPr lang="en-US" sz="2800" dirty="0"/>
+              <a:t>    =&gt; Reward will be </a:t>
+            </a:r>
+            <a:r>
+              <a:rPr lang="en-NZ" sz="2800" dirty="0"/>
               <a:t>2</a:t>
             </a:r>
             <a:r>
-              <a:rPr lang="en-NZ" sz="2800" baseline="30000" dirty="0" smtClean="0">
-                <a:latin typeface="+mj-lt"/>
-              </a:rPr>
+              <a:rPr lang="en-NZ" sz="2800" baseline="30000" dirty="0"/>
               <a:t>(3-2)</a:t>
             </a:r>
             <a:r>
-              <a:rPr lang="en-NZ" sz="2800" dirty="0" smtClean="0">
-                <a:latin typeface="+mj-lt"/>
-              </a:rPr>
-              <a:t>*10 = 20</a:t>
-            </a:r>
-            <a:endParaRPr lang="en-NZ" sz="2800" dirty="0">
-              <a:latin typeface="+mj-lt"/>
-            </a:endParaRPr>
-          </a:p>
-          <a:p>
-            <a:pPr marL="457200" lvl="1" indent="0">
-              <a:buNone/>
+              <a:rPr lang="en-NZ" sz="2800" dirty="0"/>
+              <a:t>*10 = </a:t>
+            </a:r>
+            <a:r>
+              <a:rPr lang="en-NZ" sz="2800" dirty="0" smtClean="0"/>
+              <a:t>20</a:t>
+            </a:r>
+            <a:endParaRPr lang="en-US" sz="2800" dirty="0" smtClean="0"/>
+          </a:p>
+          <a:p>
+            <a:pPr lvl="1">
+              <a:lnSpc>
+                <a:spcPct val="100000"/>
+              </a:lnSpc>
+              <a:buFont typeface="Wingdings" panose="05000000000000000000" pitchFamily="2" charset="2"/>
+              <a:buChar char="v"/>
             </a:pPr>
-            <a:endParaRPr lang="en-NZ" dirty="0"/>
+            <a:r>
+              <a:rPr lang="en-US" sz="2800" dirty="0"/>
+              <a:t>	Choose the maximum from either A or B</a:t>
+            </a:r>
+            <a:endParaRPr lang="en-NZ" sz="2800" dirty="0"/>
           </a:p>
           <a:p>
             <a:pPr lvl="1">
@@ -4981,7 +5064,9 @@
         </p:nvSpPr>
         <p:spPr/>
         <p:txBody>
-          <a:bodyPr/>
+          <a:bodyPr>
+            <a:normAutofit fontScale="92500" lnSpcReduction="20000"/>
+          </a:bodyPr>
           <a:lstStyle/>
           <a:p>
             <a:r>
@@ -4990,23 +5075,131 @@
             </a:r>
           </a:p>
           <a:p>
+            <a:pPr marL="457200" lvl="1" indent="0">
+              <a:buNone/>
+            </a:pPr>
+            <a:r>
+              <a:rPr lang="en-NZ" sz="2200" dirty="0"/>
+              <a:t>Slot machines are typically programmed to pay out as winnings 82% to 98% of the money that is wagered by players. This is known as the "theoretical </a:t>
+            </a:r>
+            <a:r>
+              <a:rPr lang="en-NZ" sz="2200" dirty="0" err="1"/>
+              <a:t>payout</a:t>
+            </a:r>
+            <a:r>
+              <a:rPr lang="en-NZ" sz="2200" dirty="0"/>
+              <a:t> percentage" or RTP, "return to player". The minimum theoretical </a:t>
+            </a:r>
+            <a:r>
+              <a:rPr lang="en-NZ" sz="2200" dirty="0" err="1"/>
+              <a:t>payout</a:t>
+            </a:r>
+            <a:r>
+              <a:rPr lang="en-NZ" sz="2200" dirty="0"/>
+              <a:t> percentage varies among jurisdictions and is typically established by law or regulation.</a:t>
+            </a:r>
+            <a:endParaRPr lang="en-US" sz="2200" i="1" dirty="0" smtClean="0"/>
+          </a:p>
+          <a:p>
             <a:r>
               <a:rPr lang="en-US" i="1" dirty="0" smtClean="0"/>
-              <a:t>Theme</a:t>
-            </a:r>
-          </a:p>
-          <a:p>
+              <a:t>Theme </a:t>
+            </a:r>
+          </a:p>
+          <a:p>
+            <a:pPr lvl="1">
+              <a:lnSpc>
+                <a:spcPct val="100000"/>
+              </a:lnSpc>
+              <a:buFont typeface="Wingdings" panose="05000000000000000000" pitchFamily="2" charset="2"/>
+              <a:buChar char="v"/>
+            </a:pPr>
             <a:r>
               <a:rPr lang="en-US" i="1" dirty="0" smtClean="0"/>
-              <a:t>Reward mechanism based </a:t>
-            </a:r>
+              <a:t>Monopoly</a:t>
+            </a:r>
+          </a:p>
+          <a:p>
+            <a:pPr lvl="1">
+              <a:lnSpc>
+                <a:spcPct val="100000"/>
+              </a:lnSpc>
+              <a:buFont typeface="Wingdings" panose="05000000000000000000" pitchFamily="2" charset="2"/>
+              <a:buChar char="v"/>
+            </a:pPr>
             <a:r>
               <a:rPr lang="en-US" i="1" dirty="0" smtClean="0"/>
-              <a:t>on player </a:t>
-            </a:r>
+              <a:t>Jewe</a:t>
+            </a:r>
+            <a:r>
+              <a:rPr lang="en-US" altLang="zh-CN" i="1" dirty="0" smtClean="0"/>
+              <a:t>l</a:t>
+            </a:r>
+            <a:endParaRPr lang="en-US" altLang="zh-CN" i="1" dirty="0"/>
+          </a:p>
+          <a:p>
+            <a:pPr lvl="1">
+              <a:lnSpc>
+                <a:spcPct val="100000"/>
+              </a:lnSpc>
+              <a:buFont typeface="Wingdings" panose="05000000000000000000" pitchFamily="2" charset="2"/>
+              <a:buChar char="v"/>
+            </a:pPr>
+            <a:r>
+              <a:rPr lang="en-US" i="1" dirty="0"/>
+              <a:t>IP – Star war, Transformers</a:t>
+            </a:r>
+          </a:p>
+          <a:p>
             <a:r>
               <a:rPr lang="en-US" i="1" dirty="0" smtClean="0"/>
-              <a:t>classification</a:t>
+              <a:t>Reward mechanism based on player classification</a:t>
+            </a:r>
+          </a:p>
+          <a:p>
+            <a:pPr lvl="1">
+              <a:buFont typeface="Wingdings" panose="05000000000000000000" pitchFamily="2" charset="2"/>
+              <a:buChar char="v"/>
+            </a:pPr>
+            <a:r>
+              <a:rPr lang="en-US" i="1" dirty="0" smtClean="0"/>
+              <a:t>Normal player  - Small pay, small gain</a:t>
+            </a:r>
+          </a:p>
+          <a:p>
+            <a:pPr lvl="1">
+              <a:buFont typeface="Wingdings" panose="05000000000000000000" pitchFamily="2" charset="2"/>
+              <a:buChar char="v"/>
+            </a:pPr>
+            <a:r>
+              <a:rPr lang="en-NZ" i="1" dirty="0" smtClean="0"/>
+              <a:t>Gambler – High risk, high reward</a:t>
+            </a:r>
+          </a:p>
+          <a:p>
+            <a:pPr lvl="1">
+              <a:buFont typeface="Wingdings" panose="05000000000000000000" pitchFamily="2" charset="2"/>
+              <a:buChar char="v"/>
+            </a:pPr>
+            <a:r>
+              <a:rPr lang="en-US" i="1" dirty="0" smtClean="0"/>
+              <a:t>Professional Game Player – Auto play based on ”</a:t>
+            </a:r>
+            <a:r>
+              <a:rPr lang="en-NZ" dirty="0"/>
+              <a:t> theoretical </a:t>
+            </a:r>
+            <a:r>
+              <a:rPr lang="en-NZ" dirty="0" err="1"/>
+              <a:t>payout</a:t>
+            </a:r>
+            <a:r>
+              <a:rPr lang="en-NZ" dirty="0"/>
+              <a:t> </a:t>
+            </a:r>
+            <a:r>
+              <a:rPr lang="en-NZ" dirty="0" smtClean="0"/>
+              <a:t>percentage”</a:t>
             </a:r>
             <a:endParaRPr lang="en-NZ" i="1" dirty="0"/>
           </a:p>
@@ -5022,6 +5215,13 @@
   <p:clrMapOvr>
     <a:masterClrMapping/>
   </p:clrMapOvr>
+  <p:timing>
+    <p:tnLst>
+      <p:par>
+        <p:cTn id="1" dur="indefinite" restart="never" nodeType="tmRoot"/>
+      </p:par>
+    </p:tnLst>
+  </p:timing>
 </p:sld>
 </file>
 
